--- a/src/main/presentation/FinTechathon_2rd.pptx
+++ b/src/main/presentation/FinTechathon_2rd.pptx
@@ -5,7 +5,7 @@
     <p:sldMasterId id="2147483648" r:id="rId1"/>
   </p:sldMasterIdLst>
   <p:notesMasterIdLst>
-    <p:notesMasterId r:id="rId13"/>
+    <p:notesMasterId r:id="rId11"/>
   </p:notesMasterIdLst>
   <p:sldIdLst>
     <p:sldId id="256" r:id="rId2"/>
@@ -17,8 +17,6 @@
     <p:sldId id="277" r:id="rId8"/>
     <p:sldId id="280" r:id="rId9"/>
     <p:sldId id="281" r:id="rId10"/>
-    <p:sldId id="279" r:id="rId11"/>
-    <p:sldId id="278" r:id="rId12"/>
   </p:sldIdLst>
   <p:sldSz cx="10688638" cy="7562850"/>
   <p:notesSz cx="6858000" cy="9144000"/>
@@ -203,7 +201,7 @@
             <a:fld id="{A7E699D2-5BE3-4458-9E0A-526F447E3C3B}" type="datetimeFigureOut">
               <a:rPr lang="en-GB" smtClean="0"/>
               <a:pPr/>
-              <a:t>31/12/2017</a:t>
+              <a:t>01/01/2018</a:t>
             </a:fld>
             <a:endParaRPr lang="en-GB"/>
           </a:p>
@@ -796,7 +794,7 @@
             <a:fld id="{1D8BD707-D9CF-40AE-B4C6-C98DA3205C09}" type="datetimeFigureOut">
               <a:rPr lang="en-US" smtClean="0"/>
               <a:pPr/>
-              <a:t>12/31/2017</a:t>
+              <a:t>1/1/2018</a:t>
             </a:fld>
             <a:endParaRPr lang="en-US"/>
           </a:p>
@@ -963,7 +961,7 @@
             <a:fld id="{1D8BD707-D9CF-40AE-B4C6-C98DA3205C09}" type="datetimeFigureOut">
               <a:rPr lang="en-US" smtClean="0"/>
               <a:pPr/>
-              <a:t>12/31/2017</a:t>
+              <a:t>1/1/2018</a:t>
             </a:fld>
             <a:endParaRPr lang="en-US"/>
           </a:p>
@@ -1140,7 +1138,7 @@
             <a:fld id="{1D8BD707-D9CF-40AE-B4C6-C98DA3205C09}" type="datetimeFigureOut">
               <a:rPr lang="en-US" smtClean="0"/>
               <a:pPr/>
-              <a:t>12/31/2017</a:t>
+              <a:t>1/1/2018</a:t>
             </a:fld>
             <a:endParaRPr lang="en-US"/>
           </a:p>
@@ -1307,7 +1305,7 @@
             <a:fld id="{1D8BD707-D9CF-40AE-B4C6-C98DA3205C09}" type="datetimeFigureOut">
               <a:rPr lang="en-US" smtClean="0"/>
               <a:pPr/>
-              <a:t>12/31/2017</a:t>
+              <a:t>1/1/2018</a:t>
             </a:fld>
             <a:endParaRPr lang="en-US"/>
           </a:p>
@@ -1550,7 +1548,7 @@
             <a:fld id="{1D8BD707-D9CF-40AE-B4C6-C98DA3205C09}" type="datetimeFigureOut">
               <a:rPr lang="en-US" smtClean="0"/>
               <a:pPr/>
-              <a:t>12/31/2017</a:t>
+              <a:t>1/1/2018</a:t>
             </a:fld>
             <a:endParaRPr lang="en-US"/>
           </a:p>
@@ -1835,7 +1833,7 @@
             <a:fld id="{1D8BD707-D9CF-40AE-B4C6-C98DA3205C09}" type="datetimeFigureOut">
               <a:rPr lang="en-US" smtClean="0"/>
               <a:pPr/>
-              <a:t>12/31/2017</a:t>
+              <a:t>1/1/2018</a:t>
             </a:fld>
             <a:endParaRPr lang="en-US"/>
           </a:p>
@@ -2254,7 +2252,7 @@
             <a:fld id="{1D8BD707-D9CF-40AE-B4C6-C98DA3205C09}" type="datetimeFigureOut">
               <a:rPr lang="en-US" smtClean="0"/>
               <a:pPr/>
-              <a:t>12/31/2017</a:t>
+              <a:t>1/1/2018</a:t>
             </a:fld>
             <a:endParaRPr lang="en-US"/>
           </a:p>
@@ -2369,7 +2367,7 @@
             <a:fld id="{1D8BD707-D9CF-40AE-B4C6-C98DA3205C09}" type="datetimeFigureOut">
               <a:rPr lang="en-US" smtClean="0"/>
               <a:pPr/>
-              <a:t>12/31/2017</a:t>
+              <a:t>1/1/2018</a:t>
             </a:fld>
             <a:endParaRPr lang="en-US"/>
           </a:p>
@@ -2461,7 +2459,7 @@
             <a:fld id="{1D8BD707-D9CF-40AE-B4C6-C98DA3205C09}" type="datetimeFigureOut">
               <a:rPr lang="en-US" smtClean="0"/>
               <a:pPr/>
-              <a:t>12/31/2017</a:t>
+              <a:t>1/1/2018</a:t>
             </a:fld>
             <a:endParaRPr lang="en-US"/>
           </a:p>
@@ -2735,7 +2733,7 @@
             <a:fld id="{1D8BD707-D9CF-40AE-B4C6-C98DA3205C09}" type="datetimeFigureOut">
               <a:rPr lang="en-US" smtClean="0"/>
               <a:pPr/>
-              <a:t>12/31/2017</a:t>
+              <a:t>1/1/2018</a:t>
             </a:fld>
             <a:endParaRPr lang="en-US"/>
           </a:p>
@@ -2985,7 +2983,7 @@
             <a:fld id="{1D8BD707-D9CF-40AE-B4C6-C98DA3205C09}" type="datetimeFigureOut">
               <a:rPr lang="en-US" smtClean="0"/>
               <a:pPr/>
-              <a:t>12/31/2017</a:t>
+              <a:t>1/1/2018</a:t>
             </a:fld>
             <a:endParaRPr lang="en-US"/>
           </a:p>
@@ -3195,7 +3193,7 @@
             <a:fld id="{1D8BD707-D9CF-40AE-B4C6-C98DA3205C09}" type="datetimeFigureOut">
               <a:rPr lang="en-US" smtClean="0"/>
               <a:pPr/>
-              <a:t>12/31/2017</a:t>
+              <a:t>1/1/2018</a:t>
             </a:fld>
             <a:endParaRPr lang="en-US"/>
           </a:p>
@@ -3752,15 +3750,7 @@
                   <a:schemeClr val="accent1"/>
                 </a:solidFill>
               </a:rPr>
-              <a:t>GFS R2P </a:t>
-            </a:r>
-            <a:r>
-              <a:rPr lang="en-GB" sz="3200" dirty="0" smtClean="0">
-                <a:solidFill>
-                  <a:schemeClr val="accent1"/>
-                </a:solidFill>
-              </a:rPr>
-              <a:t>Platform Project</a:t>
+              <a:t>GFS R2P Platform Project</a:t>
             </a:r>
           </a:p>
           <a:p>
@@ -4304,11 +4294,11 @@
   <p:clrMapOvr>
     <a:masterClrMapping/>
   </p:clrMapOvr>
-  <mc:AlternateContent xmlns:mc="http://schemas.openxmlformats.org/markup-compatibility/2006">
-    <mc:Choice xmlns:p14="http://schemas.microsoft.com/office/powerpoint/2010/main" Requires="p14">
+  <mc:AlternateContent xmlns:mc="http://schemas.openxmlformats.org/markup-compatibility/2006" xmlns:p14="http://schemas.microsoft.com/office/powerpoint/2010/main">
+    <mc:Choice Requires="p14">
       <p:transition p14:dur="0"/>
     </mc:Choice>
-    <mc:Fallback>
+    <mc:Fallback xmlns="">
       <p:transition/>
     </mc:Fallback>
   </mc:AlternateContent>
@@ -4482,262 +4472,6 @@
       <p:bldP spid="5" grpId="1"/>
       <p:bldP spid="18" grpId="0"/>
     </p:bldLst>
-  </p:timing>
-</p:sld>
-</file>
-
-<file path=ppt/slides/slide10.xml><?xml version="1.0" encoding="utf-8"?>
-<p:sld xmlns:a="http://schemas.openxmlformats.org/drawingml/2006/main" xmlns:r="http://schemas.openxmlformats.org/officeDocument/2006/relationships" xmlns:p="http://schemas.openxmlformats.org/presentationml/2006/main">
-  <p:cSld>
-    <p:spTree>
-      <p:nvGrpSpPr>
-        <p:cNvPr id="1" name=""/>
-        <p:cNvGrpSpPr/>
-        <p:nvPr/>
-      </p:nvGrpSpPr>
-      <p:grpSpPr>
-        <a:xfrm>
-          <a:off x="0" y="0"/>
-          <a:ext cx="0" cy="0"/>
-          <a:chOff x="0" y="0"/>
-          <a:chExt cx="0" cy="0"/>
-        </a:xfrm>
-      </p:grpSpPr>
-      <p:sp>
-        <p:nvSpPr>
-          <p:cNvPr id="4" name="Rectangle 2"/>
-          <p:cNvSpPr>
-            <a:spLocks noChangeArrowheads="1"/>
-          </p:cNvSpPr>
-          <p:nvPr/>
-        </p:nvSpPr>
-        <p:spPr bwMode="auto">
-          <a:xfrm>
-            <a:off x="233993" y="252042"/>
-            <a:ext cx="10214425" cy="714119"/>
-          </a:xfrm>
-          <a:prstGeom prst="rect">
-            <a:avLst/>
-          </a:prstGeom>
-          <a:noFill/>
-          <a:ln w="9525" algn="ctr">
-            <a:noFill/>
-            <a:miter lim="800000"/>
-            <a:headEnd/>
-            <a:tailEnd/>
-          </a:ln>
-        </p:spPr>
-        <p:txBody>
-          <a:bodyPr lIns="98122" tIns="49105" rIns="98122" bIns="49105" anchor="b"/>
-          <a:lstStyle/>
-          <a:p>
-            <a:pPr defTabSz="984185" latinLnBrk="0"/>
-            <a:endParaRPr lang="en-US" sz="2700" b="1" dirty="0">
-              <a:solidFill>
-                <a:srgbClr val="5F5F5F"/>
-              </a:solidFill>
-              <a:latin typeface="Helvetica"/>
-            </a:endParaRPr>
-          </a:p>
-        </p:txBody>
-      </p:sp>
-      <p:sp>
-        <p:nvSpPr>
-          <p:cNvPr id="5" name="Rectangle 4"/>
-          <p:cNvSpPr/>
-          <p:nvPr/>
-        </p:nvSpPr>
-        <p:spPr>
-          <a:xfrm>
-            <a:off x="410" y="6854963"/>
-            <a:ext cx="10688228" cy="736461"/>
-          </a:xfrm>
-          <a:prstGeom prst="rect">
-            <a:avLst/>
-          </a:prstGeom>
-          <a:ln>
-            <a:noFill/>
-          </a:ln>
-        </p:spPr>
-        <p:style>
-          <a:lnRef idx="2">
-            <a:schemeClr val="accent1">
-              <a:shade val="50000"/>
-            </a:schemeClr>
-          </a:lnRef>
-          <a:fillRef idx="1">
-            <a:schemeClr val="accent1"/>
-          </a:fillRef>
-          <a:effectRef idx="0">
-            <a:schemeClr val="accent1"/>
-          </a:effectRef>
-          <a:fontRef idx="minor">
-            <a:schemeClr val="lt1"/>
-          </a:fontRef>
-        </p:style>
-        <p:txBody>
-          <a:bodyPr rtlCol="0" anchor="ctr"/>
-          <a:lstStyle/>
-          <a:p>
-            <a:endParaRPr lang="en-US" altLang="ko-KR" dirty="0">
-              <a:ea typeface="굴림" charset="-127"/>
-              <a:cs typeface="Arial" charset="0"/>
-            </a:endParaRPr>
-          </a:p>
-        </p:txBody>
-      </p:sp>
-    </p:spTree>
-    <p:extLst>
-      <p:ext uri="{BB962C8B-B14F-4D97-AF65-F5344CB8AC3E}">
-        <p14:creationId xmlns:p14="http://schemas.microsoft.com/office/powerpoint/2010/main" val="3482583808"/>
-      </p:ext>
-    </p:extLst>
-  </p:cSld>
-  <p:clrMapOvr>
-    <a:masterClrMapping/>
-  </p:clrMapOvr>
-  <mc:AlternateContent xmlns:mc="http://schemas.openxmlformats.org/markup-compatibility/2006">
-    <mc:Choice xmlns:p14="http://schemas.microsoft.com/office/powerpoint/2010/main" Requires="p14">
-      <p:transition spd="slow" p14:dur="2000"/>
-    </mc:Choice>
-    <mc:Fallback>
-      <p:transition spd="slow"/>
-    </mc:Fallback>
-  </mc:AlternateContent>
-  <p:timing>
-    <p:tnLst>
-      <p:par>
-        <p:cTn id="1" dur="indefinite" restart="never" nodeType="tmRoot"/>
-      </p:par>
-    </p:tnLst>
-  </p:timing>
-</p:sld>
-</file>
-
-<file path=ppt/slides/slide11.xml><?xml version="1.0" encoding="utf-8"?>
-<p:sld xmlns:a="http://schemas.openxmlformats.org/drawingml/2006/main" xmlns:r="http://schemas.openxmlformats.org/officeDocument/2006/relationships" xmlns:p="http://schemas.openxmlformats.org/presentationml/2006/main">
-  <p:cSld>
-    <p:spTree>
-      <p:nvGrpSpPr>
-        <p:cNvPr id="1" name=""/>
-        <p:cNvGrpSpPr/>
-        <p:nvPr/>
-      </p:nvGrpSpPr>
-      <p:grpSpPr>
-        <a:xfrm>
-          <a:off x="0" y="0"/>
-          <a:ext cx="0" cy="0"/>
-          <a:chOff x="0" y="0"/>
-          <a:chExt cx="0" cy="0"/>
-        </a:xfrm>
-      </p:grpSpPr>
-      <p:sp>
-        <p:nvSpPr>
-          <p:cNvPr id="4" name="Rectangle 2"/>
-          <p:cNvSpPr>
-            <a:spLocks noChangeArrowheads="1"/>
-          </p:cNvSpPr>
-          <p:nvPr/>
-        </p:nvSpPr>
-        <p:spPr bwMode="auto">
-          <a:xfrm>
-            <a:off x="233993" y="252042"/>
-            <a:ext cx="10214425" cy="714119"/>
-          </a:xfrm>
-          <a:prstGeom prst="rect">
-            <a:avLst/>
-          </a:prstGeom>
-          <a:noFill/>
-          <a:ln w="9525" algn="ctr">
-            <a:noFill/>
-            <a:miter lim="800000"/>
-            <a:headEnd/>
-            <a:tailEnd/>
-          </a:ln>
-        </p:spPr>
-        <p:txBody>
-          <a:bodyPr lIns="98122" tIns="49105" rIns="98122" bIns="49105" anchor="b"/>
-          <a:lstStyle/>
-          <a:p>
-            <a:pPr defTabSz="984185" latinLnBrk="0"/>
-            <a:endParaRPr lang="en-US" sz="2700" b="1" dirty="0">
-              <a:solidFill>
-                <a:srgbClr val="5F5F5F"/>
-              </a:solidFill>
-              <a:latin typeface="Helvetica"/>
-            </a:endParaRPr>
-          </a:p>
-        </p:txBody>
-      </p:sp>
-      <p:sp>
-        <p:nvSpPr>
-          <p:cNvPr id="5" name="Rectangle 4"/>
-          <p:cNvSpPr/>
-          <p:nvPr/>
-        </p:nvSpPr>
-        <p:spPr>
-          <a:xfrm>
-            <a:off x="410" y="6854963"/>
-            <a:ext cx="10688228" cy="736461"/>
-          </a:xfrm>
-          <a:prstGeom prst="rect">
-            <a:avLst/>
-          </a:prstGeom>
-          <a:ln>
-            <a:noFill/>
-          </a:ln>
-        </p:spPr>
-        <p:style>
-          <a:lnRef idx="2">
-            <a:schemeClr val="accent1">
-              <a:shade val="50000"/>
-            </a:schemeClr>
-          </a:lnRef>
-          <a:fillRef idx="1">
-            <a:schemeClr val="accent1"/>
-          </a:fillRef>
-          <a:effectRef idx="0">
-            <a:schemeClr val="accent1"/>
-          </a:effectRef>
-          <a:fontRef idx="minor">
-            <a:schemeClr val="lt1"/>
-          </a:fontRef>
-        </p:style>
-        <p:txBody>
-          <a:bodyPr rtlCol="0" anchor="ctr"/>
-          <a:lstStyle/>
-          <a:p>
-            <a:endParaRPr lang="en-US" altLang="ko-KR" dirty="0">
-              <a:ea typeface="굴림" charset="-127"/>
-              <a:cs typeface="Arial" charset="0"/>
-            </a:endParaRPr>
-          </a:p>
-        </p:txBody>
-      </p:sp>
-    </p:spTree>
-    <p:extLst>
-      <p:ext uri="{BB962C8B-B14F-4D97-AF65-F5344CB8AC3E}">
-        <p14:creationId xmlns:p14="http://schemas.microsoft.com/office/powerpoint/2010/main" val="3141415973"/>
-      </p:ext>
-    </p:extLst>
-  </p:cSld>
-  <p:clrMapOvr>
-    <a:masterClrMapping/>
-  </p:clrMapOvr>
-  <mc:AlternateContent xmlns:mc="http://schemas.openxmlformats.org/markup-compatibility/2006">
-    <mc:Choice xmlns:p14="http://schemas.microsoft.com/office/powerpoint/2010/main" Requires="p14">
-      <p:transition spd="slow" p14:dur="2000"/>
-    </mc:Choice>
-    <mc:Fallback>
-      <p:transition spd="slow"/>
-    </mc:Fallback>
-  </mc:AlternateContent>
-  <p:timing>
-    <p:tnLst>
-      <p:par>
-        <p:cTn id="1" dur="indefinite" restart="never" nodeType="tmRoot"/>
-      </p:par>
-    </p:tnLst>
   </p:timing>
 </p:sld>
 </file>
@@ -5477,11 +5211,11 @@
   <p:clrMapOvr>
     <a:masterClrMapping/>
   </p:clrMapOvr>
-  <mc:AlternateContent xmlns:mc="http://schemas.openxmlformats.org/markup-compatibility/2006">
-    <mc:Choice xmlns:p14="http://schemas.microsoft.com/office/powerpoint/2010/main" Requires="p14">
+  <mc:AlternateContent xmlns:mc="http://schemas.openxmlformats.org/markup-compatibility/2006" xmlns:p14="http://schemas.microsoft.com/office/powerpoint/2010/main">
+    <mc:Choice Requires="p14">
       <p:transition spd="slow" p14:dur="2000"/>
     </mc:Choice>
-    <mc:Fallback>
+    <mc:Fallback xmlns="">
       <p:transition spd="slow"/>
     </mc:Fallback>
   </mc:AlternateContent>
@@ -5810,7 +5544,7 @@
                               <p:par>
                                 <p:cTn id="31" presetID="16" presetClass="entr" presetSubtype="21" fill="hold" nodeType="afterEffect">
                                   <p:stCondLst>
-                                    <p:cond delay="3000"/>
+                                    <p:cond delay="2000"/>
                                   </p:stCondLst>
                                   <p:childTnLst>
                                     <p:set>
@@ -5845,7 +5579,7 @@
                               <p:par>
                                 <p:cTn id="34" presetID="16" presetClass="entr" presetSubtype="21" fill="hold" grpId="0" nodeType="withEffect">
                                   <p:stCondLst>
-                                    <p:cond delay="3000"/>
+                                    <p:cond delay="2000"/>
                                   </p:stCondLst>
                                   <p:childTnLst>
                                     <p:set>
@@ -5883,7 +5617,7 @@
                         <p:par>
                           <p:cTn id="37" fill="hold">
                             <p:stCondLst>
-                              <p:cond delay="12500"/>
+                              <p:cond delay="11500"/>
                             </p:stCondLst>
                             <p:childTnLst>
                               <p:par>
@@ -6830,11 +6564,11 @@
   <p:clrMapOvr>
     <a:masterClrMapping/>
   </p:clrMapOvr>
-  <mc:AlternateContent xmlns:mc="http://schemas.openxmlformats.org/markup-compatibility/2006">
-    <mc:Choice xmlns:p14="http://schemas.microsoft.com/office/powerpoint/2010/main" Requires="p14">
+  <mc:AlternateContent xmlns:mc="http://schemas.openxmlformats.org/markup-compatibility/2006" xmlns:p14="http://schemas.microsoft.com/office/powerpoint/2010/main">
+    <mc:Choice Requires="p14">
       <p:transition spd="slow" p14:dur="2000"/>
     </mc:Choice>
-    <mc:Fallback>
+    <mc:Fallback xmlns="">
       <p:transition spd="slow"/>
     </mc:Fallback>
   </mc:AlternateContent>
@@ -6862,7 +6596,7 @@
                             </p:stCondLst>
                             <p:childTnLst>
                               <p:par>
-                                <p:cTn id="5" presetID="42" presetClass="path" presetSubtype="0" repeatCount="2000" accel="50000" decel="50000" fill="hold" nodeType="withEffect">
+                                <p:cTn id="5" presetID="42" presetClass="path" presetSubtype="0" repeatCount="8000" accel="50000" decel="50000" fill="hold" nodeType="withEffect">
                                   <p:stCondLst>
                                     <p:cond delay="0"/>
                                   </p:stCondLst>
@@ -6889,7 +6623,7 @@
                         <p:par>
                           <p:cTn id="7" fill="hold">
                             <p:stCondLst>
-                              <p:cond delay="4000"/>
+                              <p:cond delay="16000"/>
                             </p:stCondLst>
                             <p:childTnLst>
                               <p:par>
@@ -6925,7 +6659,7 @@
                         <p:par>
                           <p:cTn id="10" fill="hold">
                             <p:stCondLst>
-                              <p:cond delay="4000"/>
+                              <p:cond delay="16000"/>
                             </p:stCondLst>
                             <p:childTnLst>
                               <p:par>
@@ -6983,7 +6717,7 @@
                                 </p:cTn>
                               </p:par>
                               <p:par>
-                                <p:cTn id="15" presetID="42" presetClass="path" presetSubtype="0" accel="50000" decel="50000" fill="hold" nodeType="withEffect">
+                                <p:cTn id="15" presetID="42" presetClass="path" presetSubtype="0" repeatCount="5000" accel="50000" decel="50000" fill="hold" nodeType="withEffect">
                                   <p:stCondLst>
                                     <p:cond delay="0"/>
                                   </p:stCondLst>
@@ -7045,7 +6779,7 @@
                         <p:par>
                           <p:cTn id="20" fill="hold">
                             <p:stCondLst>
-                              <p:cond delay="6000"/>
+                              <p:cond delay="26000"/>
                             </p:stCondLst>
                             <p:childTnLst>
                               <p:par>
@@ -7081,7 +6815,7 @@
                         <p:par>
                           <p:cTn id="23" fill="hold">
                             <p:stCondLst>
-                              <p:cond delay="6000"/>
+                              <p:cond delay="26000"/>
                             </p:stCondLst>
                             <p:childTnLst>
                               <p:par>
@@ -7144,7 +6878,7 @@
                         <p:par>
                           <p:cTn id="28" fill="hold">
                             <p:stCondLst>
-                              <p:cond delay="6000"/>
+                              <p:cond delay="26000"/>
                             </p:stCondLst>
                             <p:childTnLst>
                               <p:par>
@@ -7180,7 +6914,7 @@
                         <p:par>
                           <p:cTn id="31" fill="hold">
                             <p:stCondLst>
-                              <p:cond delay="6000"/>
+                              <p:cond delay="26000"/>
                             </p:stCondLst>
                             <p:childTnLst>
                               <p:par>
@@ -7219,7 +6953,7 @@
                                 </p:cTn>
                               </p:par>
                               <p:par>
-                                <p:cTn id="35" presetID="42" presetClass="path" presetSubtype="0" repeatCount="2000" accel="50000" decel="50000" fill="hold" nodeType="withEffect">
+                                <p:cTn id="35" presetID="42" presetClass="path" presetSubtype="0" repeatCount="5000" accel="50000" decel="50000" fill="hold" nodeType="withEffect">
                                   <p:stCondLst>
                                     <p:cond delay="0"/>
                                   </p:stCondLst>
@@ -7246,7 +6980,7 @@
                         <p:par>
                           <p:cTn id="37" fill="hold">
                             <p:stCondLst>
-                              <p:cond delay="10000"/>
+                              <p:cond delay="36000"/>
                             </p:stCondLst>
                             <p:childTnLst>
                               <p:par>
@@ -7282,7 +7016,7 @@
                         <p:par>
                           <p:cTn id="40" fill="hold">
                             <p:stCondLst>
-                              <p:cond delay="10000"/>
+                              <p:cond delay="36000"/>
                             </p:stCondLst>
                             <p:childTnLst>
                               <p:par>
@@ -7318,13 +7052,13 @@
                         <p:par>
                           <p:cTn id="43" fill="hold">
                             <p:stCondLst>
-                              <p:cond delay="10000"/>
+                              <p:cond delay="36000"/>
                             </p:stCondLst>
                             <p:childTnLst>
                               <p:par>
                                 <p:cTn id="44" presetID="53" presetClass="entr" presetSubtype="16" fill="hold" grpId="0" nodeType="afterEffect">
                                   <p:stCondLst>
-                                    <p:cond delay="2000"/>
+                                    <p:cond delay="5000"/>
                                   </p:stCondLst>
                                   <p:childTnLst>
                                     <p:set>
@@ -7408,13 +7142,13 @@
                         <p:par>
                           <p:cTn id="49" fill="hold">
                             <p:stCondLst>
-                              <p:cond delay="12500"/>
+                              <p:cond delay="41500"/>
                             </p:stCondLst>
                             <p:childTnLst>
                               <p:par>
                                 <p:cTn id="50" presetID="53" presetClass="entr" presetSubtype="16" fill="hold" grpId="0" nodeType="afterEffect">
                                   <p:stCondLst>
-                                    <p:cond delay="1000"/>
+                                    <p:cond delay="2000"/>
                                   </p:stCondLst>
                                   <p:childTnLst>
                                     <p:set>
@@ -7729,11 +7463,11 @@
   <p:clrMapOvr>
     <a:masterClrMapping/>
   </p:clrMapOvr>
-  <mc:AlternateContent xmlns:mc="http://schemas.openxmlformats.org/markup-compatibility/2006">
-    <mc:Choice xmlns:p14="http://schemas.microsoft.com/office/powerpoint/2010/main" Requires="p14">
+  <mc:AlternateContent xmlns:mc="http://schemas.openxmlformats.org/markup-compatibility/2006" xmlns:p14="http://schemas.microsoft.com/office/powerpoint/2010/main">
+    <mc:Choice Requires="p14">
       <p:transition spd="slow" p14:dur="2000"/>
     </mc:Choice>
-    <mc:Fallback>
+    <mc:Fallback xmlns="">
       <p:transition spd="slow"/>
     </mc:Fallback>
   </mc:AlternateContent>
@@ -7942,13 +7676,6 @@
               </a:rPr>
               <a:t>In China, each invoice has an unique QR code and it saves all of this invoice information. </a:t>
             </a:r>
-            <a:endParaRPr lang="en-US" altLang="ko-KR" dirty="0">
-              <a:solidFill>
-                <a:schemeClr val="bg1"/>
-              </a:solidFill>
-              <a:ea typeface="굴림" charset="-127"/>
-              <a:cs typeface="Arial" charset="0"/>
-            </a:endParaRPr>
           </a:p>
         </p:txBody>
       </p:sp>
@@ -7962,11 +7689,11 @@
   <p:clrMapOvr>
     <a:masterClrMapping/>
   </p:clrMapOvr>
-  <mc:AlternateContent xmlns:mc="http://schemas.openxmlformats.org/markup-compatibility/2006">
-    <mc:Choice xmlns:p14="http://schemas.microsoft.com/office/powerpoint/2010/main" Requires="p14">
+  <mc:AlternateContent xmlns:mc="http://schemas.openxmlformats.org/markup-compatibility/2006" xmlns:p14="http://schemas.microsoft.com/office/powerpoint/2010/main">
+    <mc:Choice Requires="p14">
       <p:transition spd="slow" p14:dur="2000"/>
     </mc:Choice>
-    <mc:Fallback>
+    <mc:Fallback xmlns="">
       <p:transition spd="slow"/>
     </mc:Fallback>
   </mc:AlternateContent>
@@ -8155,11 +7882,11 @@
   <p:clrMapOvr>
     <a:masterClrMapping/>
   </p:clrMapOvr>
-  <mc:AlternateContent xmlns:mc="http://schemas.openxmlformats.org/markup-compatibility/2006">
-    <mc:Choice xmlns:p14="http://schemas.microsoft.com/office/powerpoint/2010/main" Requires="p14">
+  <mc:AlternateContent xmlns:mc="http://schemas.openxmlformats.org/markup-compatibility/2006" xmlns:p14="http://schemas.microsoft.com/office/powerpoint/2010/main">
+    <mc:Choice Requires="p14">
       <p:transition spd="slow" p14:dur="2000"/>
     </mc:Choice>
-    <mc:Fallback>
+    <mc:Fallback xmlns="">
       <p:transition spd="slow"/>
     </mc:Fallback>
   </mc:AlternateContent>
@@ -8466,11 +8193,11 @@
   <p:clrMapOvr>
     <a:masterClrMapping/>
   </p:clrMapOvr>
-  <mc:AlternateContent xmlns:mc="http://schemas.openxmlformats.org/markup-compatibility/2006">
-    <mc:Choice xmlns:p14="http://schemas.microsoft.com/office/powerpoint/2010/main" Requires="p14">
+  <mc:AlternateContent xmlns:mc="http://schemas.openxmlformats.org/markup-compatibility/2006" xmlns:p14="http://schemas.microsoft.com/office/powerpoint/2010/main">
+    <mc:Choice Requires="p14">
       <p:transition spd="slow" p14:dur="2000"/>
     </mc:Choice>
-    <mc:Fallback>
+    <mc:Fallback xmlns="">
       <p:transition spd="slow"/>
     </mc:Fallback>
   </mc:AlternateContent>
@@ -8511,7 +8238,7 @@
         </p:nvSpPr>
         <p:spPr bwMode="auto">
           <a:xfrm>
-            <a:off x="233993" y="252042"/>
+            <a:off x="233993" y="556842"/>
             <a:ext cx="10214425" cy="714119"/>
           </a:xfrm>
           <a:prstGeom prst="rect">
@@ -8577,13 +8304,10 @@
           <a:bodyPr rtlCol="0" anchor="ctr"/>
           <a:lstStyle/>
           <a:p>
-            <a:r>
-              <a:rPr lang="en-US" altLang="ko-KR" dirty="0">
-                <a:ea typeface="굴림" charset="-127"/>
-                <a:cs typeface="Arial" charset="0"/>
-              </a:rPr>
-              <a:t>After apply this new system, we can</a:t>
-            </a:r>
+            <a:endParaRPr lang="en-US" altLang="ko-KR" dirty="0">
+              <a:ea typeface="굴림" charset="-127"/>
+              <a:cs typeface="Arial" charset="0"/>
+            </a:endParaRPr>
           </a:p>
         </p:txBody>
       </p:sp>
@@ -8610,8 +8334,8 @@
         </p:blipFill>
         <p:spPr bwMode="auto">
           <a:xfrm>
-            <a:off x="427038" y="539750"/>
-            <a:ext cx="1095090" cy="762000"/>
+            <a:off x="668337" y="839243"/>
+            <a:ext cx="1094582" cy="581055"/>
           </a:xfrm>
           <a:prstGeom prst="rect">
             <a:avLst/>
@@ -8628,6 +8352,651 @@
           </a:extLst>
         </p:spPr>
       </p:pic>
+      <p:sp>
+        <p:nvSpPr>
+          <p:cNvPr id="2" name="Rectangle 1"/>
+          <p:cNvSpPr/>
+          <p:nvPr/>
+        </p:nvSpPr>
+        <p:spPr>
+          <a:xfrm>
+            <a:off x="1991519" y="929715"/>
+            <a:ext cx="6477000" cy="400110"/>
+          </a:xfrm>
+          <a:prstGeom prst="rect">
+            <a:avLst/>
+          </a:prstGeom>
+        </p:spPr>
+        <p:txBody>
+          <a:bodyPr wrap="square">
+            <a:spAutoFit/>
+          </a:bodyPr>
+          <a:lstStyle/>
+          <a:p>
+            <a:r>
+              <a:rPr lang="en-US" altLang="zh-CN" dirty="0"/>
+              <a:t>Improve 25 times efficiency. </a:t>
+            </a:r>
+            <a:endParaRPr lang="zh-CN" altLang="en-US" dirty="0"/>
+          </a:p>
+        </p:txBody>
+      </p:sp>
+      <p:sp>
+        <p:nvSpPr>
+          <p:cNvPr id="3" name="Rectangle 2"/>
+          <p:cNvSpPr/>
+          <p:nvPr/>
+        </p:nvSpPr>
+        <p:spPr>
+          <a:xfrm>
+            <a:off x="467519" y="657225"/>
+            <a:ext cx="9677400" cy="872656"/>
+          </a:xfrm>
+          <a:prstGeom prst="rect">
+            <a:avLst/>
+          </a:prstGeom>
+          <a:noFill/>
+        </p:spPr>
+        <p:style>
+          <a:lnRef idx="2">
+            <a:schemeClr val="accent1">
+              <a:shade val="50000"/>
+            </a:schemeClr>
+          </a:lnRef>
+          <a:fillRef idx="1">
+            <a:schemeClr val="accent1"/>
+          </a:fillRef>
+          <a:effectRef idx="0">
+            <a:schemeClr val="accent1"/>
+          </a:effectRef>
+          <a:fontRef idx="minor">
+            <a:schemeClr val="lt1"/>
+          </a:fontRef>
+        </p:style>
+        <p:txBody>
+          <a:bodyPr rtlCol="0" anchor="ctr"/>
+          <a:lstStyle/>
+          <a:p>
+            <a:pPr algn="ctr"/>
+            <a:endParaRPr lang="zh-CN" altLang="en-US"/>
+          </a:p>
+        </p:txBody>
+      </p:sp>
+      <p:sp>
+        <p:nvSpPr>
+          <p:cNvPr id="6" name="Rectangle 5"/>
+          <p:cNvSpPr/>
+          <p:nvPr/>
+        </p:nvSpPr>
+        <p:spPr>
+          <a:xfrm>
+            <a:off x="315119" y="7023139"/>
+            <a:ext cx="10133299" cy="400110"/>
+          </a:xfrm>
+          <a:prstGeom prst="rect">
+            <a:avLst/>
+          </a:prstGeom>
+        </p:spPr>
+        <p:txBody>
+          <a:bodyPr wrap="square">
+            <a:spAutoFit/>
+          </a:bodyPr>
+          <a:lstStyle/>
+          <a:p>
+            <a:r>
+              <a:rPr lang="en-US" altLang="ko-KR" dirty="0">
+                <a:solidFill>
+                  <a:schemeClr val="bg1"/>
+                </a:solidFill>
+                <a:ea typeface="굴림" charset="-127"/>
+                <a:cs typeface="Arial" charset="0"/>
+              </a:rPr>
+              <a:t>After apply this new system, we can</a:t>
+            </a:r>
+            <a:endParaRPr lang="en-US" altLang="ko-KR" dirty="0">
+              <a:solidFill>
+                <a:schemeClr val="bg1"/>
+              </a:solidFill>
+              <a:ea typeface="굴림" charset="-127"/>
+              <a:cs typeface="Arial" charset="0"/>
+            </a:endParaRPr>
+          </a:p>
+        </p:txBody>
+      </p:sp>
+      <p:sp>
+        <p:nvSpPr>
+          <p:cNvPr id="7" name="Rectangle 6"/>
+          <p:cNvSpPr/>
+          <p:nvPr/>
+        </p:nvSpPr>
+        <p:spPr>
+          <a:xfrm>
+            <a:off x="199006" y="6883539"/>
+            <a:ext cx="10214425" cy="707886"/>
+          </a:xfrm>
+          <a:prstGeom prst="rect">
+            <a:avLst/>
+          </a:prstGeom>
+          <a:noFill/>
+        </p:spPr>
+        <p:txBody>
+          <a:bodyPr wrap="square">
+            <a:spAutoFit/>
+          </a:bodyPr>
+          <a:lstStyle/>
+          <a:p>
+            <a:r>
+              <a:rPr lang="en-US" altLang="zh-CN" dirty="0">
+                <a:solidFill>
+                  <a:schemeClr val="bg1"/>
+                </a:solidFill>
+              </a:rPr>
+              <a:t>1. Improve 25 times efficiency. </a:t>
+            </a:r>
+            <a:r>
+              <a:rPr lang="en-US" altLang="zh-CN" dirty="0" smtClean="0">
+                <a:solidFill>
+                  <a:schemeClr val="bg1"/>
+                </a:solidFill>
+              </a:rPr>
+              <a:t>AO </a:t>
+            </a:r>
+            <a:r>
+              <a:rPr lang="en-US" altLang="zh-CN" dirty="0">
+                <a:solidFill>
+                  <a:schemeClr val="bg1"/>
+                </a:solidFill>
+              </a:rPr>
+              <a:t>staff needs 25 seconds to input and verify an invoice at least. After using scanner, it will take less than 1 second to complete all processes.</a:t>
+            </a:r>
+            <a:endParaRPr lang="zh-CN" altLang="en-US" dirty="0">
+              <a:solidFill>
+                <a:schemeClr val="bg1"/>
+              </a:solidFill>
+            </a:endParaRPr>
+          </a:p>
+        </p:txBody>
+      </p:sp>
+      <p:sp>
+        <p:nvSpPr>
+          <p:cNvPr id="8" name="Rectangle 7"/>
+          <p:cNvSpPr/>
+          <p:nvPr/>
+        </p:nvSpPr>
+        <p:spPr>
+          <a:xfrm>
+            <a:off x="467519" y="2105025"/>
+            <a:ext cx="9677400" cy="914400"/>
+          </a:xfrm>
+          <a:prstGeom prst="rect">
+            <a:avLst/>
+          </a:prstGeom>
+          <a:noFill/>
+        </p:spPr>
+        <p:style>
+          <a:lnRef idx="2">
+            <a:schemeClr val="accent1">
+              <a:shade val="50000"/>
+            </a:schemeClr>
+          </a:lnRef>
+          <a:fillRef idx="1">
+            <a:schemeClr val="accent1"/>
+          </a:fillRef>
+          <a:effectRef idx="0">
+            <a:schemeClr val="accent1"/>
+          </a:effectRef>
+          <a:fontRef idx="minor">
+            <a:schemeClr val="lt1"/>
+          </a:fontRef>
+        </p:style>
+        <p:txBody>
+          <a:bodyPr rtlCol="0" anchor="ctr"/>
+          <a:lstStyle/>
+          <a:p>
+            <a:pPr algn="ctr"/>
+            <a:endParaRPr lang="zh-CN" altLang="en-US"/>
+          </a:p>
+        </p:txBody>
+      </p:sp>
+      <p:pic>
+        <p:nvPicPr>
+          <p:cNvPr id="1026" name="Picture 2" descr="C:\Users\TJVictor\git\auto-scan\src\main\presentation\img\no error.jpg"/>
+          <p:cNvPicPr>
+            <a:picLocks noChangeAspect="1" noChangeArrowheads="1"/>
+          </p:cNvPicPr>
+          <p:nvPr/>
+        </p:nvPicPr>
+        <p:blipFill>
+          <a:blip r:embed="rId3">
+            <a:extLst>
+              <a:ext uri="{28A0092B-C50C-407E-A947-70E740481C1C}">
+                <a14:useLocalDpi xmlns:a14="http://schemas.microsoft.com/office/drawing/2010/main" val="0"/>
+              </a:ext>
+            </a:extLst>
+          </a:blip>
+          <a:srcRect/>
+          <a:stretch>
+            <a:fillRect/>
+          </a:stretch>
+        </p:blipFill>
+        <p:spPr bwMode="auto">
+          <a:xfrm>
+            <a:off x="600984" y="2176462"/>
+            <a:ext cx="1161935" cy="771525"/>
+          </a:xfrm>
+          <a:prstGeom prst="rect">
+            <a:avLst/>
+          </a:prstGeom>
+          <a:noFill/>
+          <a:extLst>
+            <a:ext uri="{909E8E84-426E-40DD-AFC4-6F175D3DCCD1}">
+              <a14:hiddenFill xmlns:a14="http://schemas.microsoft.com/office/drawing/2010/main">
+                <a:solidFill>
+                  <a:srgbClr val="FFFFFF"/>
+                </a:solidFill>
+              </a14:hiddenFill>
+            </a:ext>
+          </a:extLst>
+        </p:spPr>
+      </p:pic>
+      <p:sp>
+        <p:nvSpPr>
+          <p:cNvPr id="9" name="Rectangle 8"/>
+          <p:cNvSpPr/>
+          <p:nvPr/>
+        </p:nvSpPr>
+        <p:spPr>
+          <a:xfrm>
+            <a:off x="2001838" y="2362170"/>
+            <a:ext cx="3080715" cy="400110"/>
+          </a:xfrm>
+          <a:prstGeom prst="rect">
+            <a:avLst/>
+          </a:prstGeom>
+        </p:spPr>
+        <p:txBody>
+          <a:bodyPr wrap="none">
+            <a:spAutoFit/>
+          </a:bodyPr>
+          <a:lstStyle/>
+          <a:p>
+            <a:r>
+              <a:rPr lang="en-US" altLang="zh-CN" dirty="0"/>
+              <a:t>Reduce manual risk to Zero.</a:t>
+            </a:r>
+            <a:endParaRPr lang="zh-CN" altLang="en-US" dirty="0"/>
+          </a:p>
+        </p:txBody>
+      </p:sp>
+      <p:sp>
+        <p:nvSpPr>
+          <p:cNvPr id="10" name="Rectangle 9"/>
+          <p:cNvSpPr/>
+          <p:nvPr/>
+        </p:nvSpPr>
+        <p:spPr>
+          <a:xfrm>
+            <a:off x="199006" y="6854964"/>
+            <a:ext cx="9982200" cy="707886"/>
+          </a:xfrm>
+          <a:prstGeom prst="rect">
+            <a:avLst/>
+          </a:prstGeom>
+        </p:spPr>
+        <p:txBody>
+          <a:bodyPr wrap="square">
+            <a:spAutoFit/>
+          </a:bodyPr>
+          <a:lstStyle/>
+          <a:p>
+            <a:r>
+              <a:rPr lang="en-US" altLang="zh-CN" dirty="0">
+                <a:solidFill>
+                  <a:schemeClr val="bg1"/>
+                </a:solidFill>
+              </a:rPr>
+              <a:t>2. Reduce manual risk to Zero. After applying this system, there is no manual operation at all, so we can say that's 100% safe.</a:t>
+            </a:r>
+            <a:endParaRPr lang="zh-CN" altLang="en-US" dirty="0">
+              <a:solidFill>
+                <a:schemeClr val="bg1"/>
+              </a:solidFill>
+            </a:endParaRPr>
+          </a:p>
+        </p:txBody>
+      </p:sp>
+      <p:pic>
+        <p:nvPicPr>
+          <p:cNvPr id="1027" name="Picture 3" descr="C:\Users\TJVictor\git\auto-scan\src\main\presentation\img\data1.png"/>
+          <p:cNvPicPr>
+            <a:picLocks noChangeAspect="1" noChangeArrowheads="1"/>
+          </p:cNvPicPr>
+          <p:nvPr/>
+        </p:nvPicPr>
+        <p:blipFill>
+          <a:blip r:embed="rId4">
+            <a:extLst>
+              <a:ext uri="{28A0092B-C50C-407E-A947-70E740481C1C}">
+                <a14:useLocalDpi xmlns:a14="http://schemas.microsoft.com/office/drawing/2010/main" val="0"/>
+              </a:ext>
+            </a:extLst>
+          </a:blip>
+          <a:srcRect/>
+          <a:stretch>
+            <a:fillRect/>
+          </a:stretch>
+        </p:blipFill>
+        <p:spPr bwMode="auto">
+          <a:xfrm>
+            <a:off x="829583" y="3657658"/>
+            <a:ext cx="704735" cy="704733"/>
+          </a:xfrm>
+          <a:prstGeom prst="rect">
+            <a:avLst/>
+          </a:prstGeom>
+          <a:noFill/>
+          <a:extLst>
+            <a:ext uri="{909E8E84-426E-40DD-AFC4-6F175D3DCCD1}">
+              <a14:hiddenFill xmlns:a14="http://schemas.microsoft.com/office/drawing/2010/main">
+                <a:solidFill>
+                  <a:srgbClr val="FFFFFF"/>
+                </a:solidFill>
+              </a14:hiddenFill>
+            </a:ext>
+          </a:extLst>
+        </p:spPr>
+      </p:pic>
+      <p:sp>
+        <p:nvSpPr>
+          <p:cNvPr id="11" name="Rectangle 10"/>
+          <p:cNvSpPr/>
+          <p:nvPr/>
+        </p:nvSpPr>
+        <p:spPr>
+          <a:xfrm>
+            <a:off x="467519" y="3552825"/>
+            <a:ext cx="9677400" cy="914400"/>
+          </a:xfrm>
+          <a:prstGeom prst="rect">
+            <a:avLst/>
+          </a:prstGeom>
+          <a:noFill/>
+        </p:spPr>
+        <p:style>
+          <a:lnRef idx="2">
+            <a:schemeClr val="accent1">
+              <a:shade val="50000"/>
+            </a:schemeClr>
+          </a:lnRef>
+          <a:fillRef idx="1">
+            <a:schemeClr val="accent1"/>
+          </a:fillRef>
+          <a:effectRef idx="0">
+            <a:schemeClr val="accent1"/>
+          </a:effectRef>
+          <a:fontRef idx="minor">
+            <a:schemeClr val="lt1"/>
+          </a:fontRef>
+        </p:style>
+        <p:txBody>
+          <a:bodyPr rtlCol="0" anchor="ctr"/>
+          <a:lstStyle/>
+          <a:p>
+            <a:pPr algn="ctr"/>
+            <a:endParaRPr lang="zh-CN" altLang="en-US"/>
+          </a:p>
+        </p:txBody>
+      </p:sp>
+      <p:sp>
+        <p:nvSpPr>
+          <p:cNvPr id="12" name="Rectangle 11"/>
+          <p:cNvSpPr/>
+          <p:nvPr/>
+        </p:nvSpPr>
+        <p:spPr>
+          <a:xfrm>
+            <a:off x="2037557" y="3809970"/>
+            <a:ext cx="1804212" cy="400110"/>
+          </a:xfrm>
+          <a:prstGeom prst="rect">
+            <a:avLst/>
+          </a:prstGeom>
+        </p:spPr>
+        <p:txBody>
+          <a:bodyPr wrap="none">
+            <a:spAutoFit/>
+          </a:bodyPr>
+          <a:lstStyle/>
+          <a:p>
+            <a:r>
+              <a:rPr lang="en-US" altLang="zh-CN" dirty="0" err="1"/>
+              <a:t>Electronization</a:t>
+            </a:r>
+            <a:r>
+              <a:rPr lang="en-US" altLang="zh-CN" dirty="0"/>
+              <a:t>.</a:t>
+            </a:r>
+            <a:endParaRPr lang="zh-CN" altLang="en-US" dirty="0"/>
+          </a:p>
+        </p:txBody>
+      </p:sp>
+      <p:sp>
+        <p:nvSpPr>
+          <p:cNvPr id="13" name="Rectangle 12"/>
+          <p:cNvSpPr/>
+          <p:nvPr/>
+        </p:nvSpPr>
+        <p:spPr>
+          <a:xfrm>
+            <a:off x="140300" y="6854964"/>
+            <a:ext cx="10179438" cy="707886"/>
+          </a:xfrm>
+          <a:prstGeom prst="rect">
+            <a:avLst/>
+          </a:prstGeom>
+        </p:spPr>
+        <p:txBody>
+          <a:bodyPr wrap="square">
+            <a:spAutoFit/>
+          </a:bodyPr>
+          <a:lstStyle/>
+          <a:p>
+            <a:r>
+              <a:rPr lang="en-US" altLang="zh-CN" dirty="0">
+                <a:solidFill>
+                  <a:schemeClr val="bg1"/>
+                </a:solidFill>
+              </a:rPr>
+              <a:t>3. </a:t>
+            </a:r>
+            <a:r>
+              <a:rPr lang="en-US" altLang="zh-CN" dirty="0" err="1">
+                <a:solidFill>
+                  <a:schemeClr val="bg1"/>
+                </a:solidFill>
+              </a:rPr>
+              <a:t>Electronization</a:t>
+            </a:r>
+            <a:r>
+              <a:rPr lang="en-US" altLang="zh-CN" dirty="0">
+                <a:solidFill>
+                  <a:schemeClr val="bg1"/>
+                </a:solidFill>
+              </a:rPr>
+              <a:t>. There is no paper request in new system, every data is changed to electronic form and save into database. So we can save paper cost, print cost as well as time cost.</a:t>
+            </a:r>
+            <a:endParaRPr lang="zh-CN" altLang="en-US" dirty="0">
+              <a:solidFill>
+                <a:schemeClr val="bg1"/>
+              </a:solidFill>
+            </a:endParaRPr>
+          </a:p>
+        </p:txBody>
+      </p:sp>
+      <p:pic>
+        <p:nvPicPr>
+          <p:cNvPr id="1028" name="Picture 4" descr="C:\Users\TJVictor\git\auto-scan\src\main\presentation\img\auto.jpg"/>
+          <p:cNvPicPr>
+            <a:picLocks noChangeAspect="1" noChangeArrowheads="1"/>
+          </p:cNvPicPr>
+          <p:nvPr/>
+        </p:nvPicPr>
+        <p:blipFill>
+          <a:blip r:embed="rId5">
+            <a:extLst>
+              <a:ext uri="{28A0092B-C50C-407E-A947-70E740481C1C}">
+                <a14:useLocalDpi xmlns:a14="http://schemas.microsoft.com/office/drawing/2010/main" val="0"/>
+              </a:ext>
+            </a:extLst>
+          </a:blip>
+          <a:srcRect/>
+          <a:stretch>
+            <a:fillRect/>
+          </a:stretch>
+        </p:blipFill>
+        <p:spPr bwMode="auto">
+          <a:xfrm>
+            <a:off x="600984" y="5260975"/>
+            <a:ext cx="1351935" cy="698500"/>
+          </a:xfrm>
+          <a:prstGeom prst="rect">
+            <a:avLst/>
+          </a:prstGeom>
+          <a:noFill/>
+          <a:extLst>
+            <a:ext uri="{909E8E84-426E-40DD-AFC4-6F175D3DCCD1}">
+              <a14:hiddenFill xmlns:a14="http://schemas.microsoft.com/office/drawing/2010/main">
+                <a:solidFill>
+                  <a:srgbClr val="FFFFFF"/>
+                </a:solidFill>
+              </a14:hiddenFill>
+            </a:ext>
+          </a:extLst>
+        </p:spPr>
+      </p:pic>
+      <p:sp>
+        <p:nvSpPr>
+          <p:cNvPr id="14" name="Rectangle 13"/>
+          <p:cNvSpPr/>
+          <p:nvPr/>
+        </p:nvSpPr>
+        <p:spPr>
+          <a:xfrm>
+            <a:off x="467519" y="5153025"/>
+            <a:ext cx="9713687" cy="914400"/>
+          </a:xfrm>
+          <a:prstGeom prst="rect">
+            <a:avLst/>
+          </a:prstGeom>
+          <a:noFill/>
+        </p:spPr>
+        <p:style>
+          <a:lnRef idx="2">
+            <a:schemeClr val="accent1">
+              <a:shade val="50000"/>
+            </a:schemeClr>
+          </a:lnRef>
+          <a:fillRef idx="1">
+            <a:schemeClr val="accent1"/>
+          </a:fillRef>
+          <a:effectRef idx="0">
+            <a:schemeClr val="accent1"/>
+          </a:effectRef>
+          <a:fontRef idx="minor">
+            <a:schemeClr val="lt1"/>
+          </a:fontRef>
+        </p:style>
+        <p:txBody>
+          <a:bodyPr rtlCol="0" anchor="ctr"/>
+          <a:lstStyle/>
+          <a:p>
+            <a:pPr algn="ctr"/>
+            <a:endParaRPr lang="zh-CN" altLang="en-US"/>
+          </a:p>
+        </p:txBody>
+      </p:sp>
+      <p:sp>
+        <p:nvSpPr>
+          <p:cNvPr id="15" name="Rectangle 14"/>
+          <p:cNvSpPr/>
+          <p:nvPr/>
+        </p:nvSpPr>
+        <p:spPr>
+          <a:xfrm>
+            <a:off x="2162339" y="5410170"/>
+            <a:ext cx="813043" cy="400110"/>
+          </a:xfrm>
+          <a:prstGeom prst="rect">
+            <a:avLst/>
+          </a:prstGeom>
+        </p:spPr>
+        <p:txBody>
+          <a:bodyPr wrap="none">
+            <a:spAutoFit/>
+          </a:bodyPr>
+          <a:lstStyle/>
+          <a:p>
+            <a:r>
+              <a:rPr lang="en-US" altLang="zh-CN" dirty="0"/>
+              <a:t>Audit.</a:t>
+            </a:r>
+            <a:endParaRPr lang="zh-CN" altLang="en-US" dirty="0"/>
+          </a:p>
+        </p:txBody>
+      </p:sp>
+      <p:sp>
+        <p:nvSpPr>
+          <p:cNvPr id="16" name="Rectangle 15"/>
+          <p:cNvSpPr/>
+          <p:nvPr/>
+        </p:nvSpPr>
+        <p:spPr>
+          <a:xfrm>
+            <a:off x="63499" y="6854964"/>
+            <a:ext cx="10625139" cy="707886"/>
+          </a:xfrm>
+          <a:prstGeom prst="rect">
+            <a:avLst/>
+          </a:prstGeom>
+        </p:spPr>
+        <p:txBody>
+          <a:bodyPr wrap="square">
+            <a:spAutoFit/>
+          </a:bodyPr>
+          <a:lstStyle/>
+          <a:p>
+            <a:r>
+              <a:rPr lang="en-US" altLang="zh-CN" dirty="0">
+                <a:solidFill>
+                  <a:schemeClr val="bg1"/>
+                </a:solidFill>
+              </a:rPr>
+              <a:t>4. </a:t>
+            </a:r>
+            <a:r>
+              <a:rPr lang="en-US" altLang="zh-CN" dirty="0" smtClean="0">
+                <a:solidFill>
+                  <a:schemeClr val="bg1"/>
+                </a:solidFill>
+              </a:rPr>
+              <a:t>Everything </a:t>
+            </a:r>
+            <a:r>
+              <a:rPr lang="en-US" altLang="zh-CN" dirty="0">
+                <a:solidFill>
+                  <a:schemeClr val="bg1"/>
+                </a:solidFill>
+              </a:rPr>
+              <a:t>is saving in database, so we can search and check history invoice easily for end of year audit. If it is still paper invoice, it will be a huge job to look for one invoice from thousands of invoices.</a:t>
+            </a:r>
+            <a:endParaRPr lang="zh-CN" altLang="en-US" dirty="0">
+              <a:solidFill>
+                <a:schemeClr val="bg1"/>
+              </a:solidFill>
+            </a:endParaRPr>
+          </a:p>
+        </p:txBody>
+      </p:sp>
     </p:spTree>
     <p:extLst>
       <p:ext uri="{BB962C8B-B14F-4D97-AF65-F5344CB8AC3E}">
@@ -8638,20 +9007,784 @@
   <p:clrMapOvr>
     <a:masterClrMapping/>
   </p:clrMapOvr>
-  <mc:AlternateContent xmlns:mc="http://schemas.openxmlformats.org/markup-compatibility/2006">
-    <mc:Choice xmlns:p14="http://schemas.microsoft.com/office/powerpoint/2010/main" Requires="p14">
+  <mc:AlternateContent xmlns:mc="http://schemas.openxmlformats.org/markup-compatibility/2006" xmlns:p14="http://schemas.microsoft.com/office/powerpoint/2010/main">
+    <mc:Choice Requires="p14">
       <p:transition spd="slow" p14:dur="2000"/>
     </mc:Choice>
-    <mc:Fallback>
+    <mc:Fallback xmlns="">
       <p:transition spd="slow"/>
     </mc:Fallback>
   </mc:AlternateContent>
   <p:timing>
     <p:tnLst>
       <p:par>
-        <p:cTn id="1" dur="indefinite" restart="never" nodeType="tmRoot"/>
+        <p:cTn id="1" dur="indefinite" restart="never" nodeType="tmRoot">
+          <p:childTnLst>
+            <p:seq concurrent="1" nextAc="seek">
+              <p:cTn id="2" dur="indefinite" nodeType="mainSeq">
+                <p:childTnLst>
+                  <p:par>
+                    <p:cTn id="3" fill="hold">
+                      <p:stCondLst>
+                        <p:cond delay="indefinite"/>
+                        <p:cond evt="onBegin" delay="0">
+                          <p:tn val="2"/>
+                        </p:cond>
+                      </p:stCondLst>
+                      <p:childTnLst>
+                        <p:par>
+                          <p:cTn id="4" fill="hold">
+                            <p:stCondLst>
+                              <p:cond delay="0"/>
+                            </p:stCondLst>
+                            <p:childTnLst>
+                              <p:par>
+                                <p:cTn id="5" presetID="14" presetClass="entr" presetSubtype="5" fill="hold" nodeType="withEffect">
+                                  <p:stCondLst>
+                                    <p:cond delay="3000"/>
+                                  </p:stCondLst>
+                                  <p:childTnLst>
+                                    <p:set>
+                                      <p:cBhvr>
+                                        <p:cTn id="6" dur="1" fill="hold">
+                                          <p:stCondLst>
+                                            <p:cond delay="0"/>
+                                          </p:stCondLst>
+                                        </p:cTn>
+                                        <p:tgtEl>
+                                          <p:spTgt spid="7171"/>
+                                        </p:tgtEl>
+                                        <p:attrNameLst>
+                                          <p:attrName>style.visibility</p:attrName>
+                                        </p:attrNameLst>
+                                      </p:cBhvr>
+                                      <p:to>
+                                        <p:strVal val="visible"/>
+                                      </p:to>
+                                    </p:set>
+                                    <p:animEffect transition="in" filter="randombar(vertical)">
+                                      <p:cBhvr>
+                                        <p:cTn id="7" dur="500"/>
+                                        <p:tgtEl>
+                                          <p:spTgt spid="7171"/>
+                                        </p:tgtEl>
+                                      </p:cBhvr>
+                                    </p:animEffect>
+                                  </p:childTnLst>
+                                </p:cTn>
+                              </p:par>
+                              <p:par>
+                                <p:cTn id="8" presetID="14" presetClass="entr" presetSubtype="5" fill="hold" grpId="0" nodeType="withEffect">
+                                  <p:stCondLst>
+                                    <p:cond delay="3000"/>
+                                  </p:stCondLst>
+                                  <p:childTnLst>
+                                    <p:set>
+                                      <p:cBhvr>
+                                        <p:cTn id="9" dur="1" fill="hold">
+                                          <p:stCondLst>
+                                            <p:cond delay="0"/>
+                                          </p:stCondLst>
+                                        </p:cTn>
+                                        <p:tgtEl>
+                                          <p:spTgt spid="2"/>
+                                        </p:tgtEl>
+                                        <p:attrNameLst>
+                                          <p:attrName>style.visibility</p:attrName>
+                                        </p:attrNameLst>
+                                      </p:cBhvr>
+                                      <p:to>
+                                        <p:strVal val="visible"/>
+                                      </p:to>
+                                    </p:set>
+                                    <p:animEffect transition="in" filter="randombar(vertical)">
+                                      <p:cBhvr>
+                                        <p:cTn id="10" dur="500"/>
+                                        <p:tgtEl>
+                                          <p:spTgt spid="2"/>
+                                        </p:tgtEl>
+                                      </p:cBhvr>
+                                    </p:animEffect>
+                                  </p:childTnLst>
+                                </p:cTn>
+                              </p:par>
+                              <p:par>
+                                <p:cTn id="11" presetID="14" presetClass="entr" presetSubtype="5" fill="hold" grpId="0" nodeType="withEffect">
+                                  <p:stCondLst>
+                                    <p:cond delay="3000"/>
+                                  </p:stCondLst>
+                                  <p:childTnLst>
+                                    <p:set>
+                                      <p:cBhvr>
+                                        <p:cTn id="12" dur="1" fill="hold">
+                                          <p:stCondLst>
+                                            <p:cond delay="0"/>
+                                          </p:stCondLst>
+                                        </p:cTn>
+                                        <p:tgtEl>
+                                          <p:spTgt spid="3"/>
+                                        </p:tgtEl>
+                                        <p:attrNameLst>
+                                          <p:attrName>style.visibility</p:attrName>
+                                        </p:attrNameLst>
+                                      </p:cBhvr>
+                                      <p:to>
+                                        <p:strVal val="visible"/>
+                                      </p:to>
+                                    </p:set>
+                                    <p:animEffect transition="in" filter="randombar(vertical)">
+                                      <p:cBhvr>
+                                        <p:cTn id="13" dur="500"/>
+                                        <p:tgtEl>
+                                          <p:spTgt spid="3"/>
+                                        </p:tgtEl>
+                                      </p:cBhvr>
+                                    </p:animEffect>
+                                  </p:childTnLst>
+                                </p:cTn>
+                              </p:par>
+                              <p:par>
+                                <p:cTn id="14" presetID="1" presetClass="exit" presetSubtype="0" fill="hold" nodeType="withEffect">
+                                  <p:stCondLst>
+                                    <p:cond delay="3000"/>
+                                  </p:stCondLst>
+                                  <p:childTnLst>
+                                    <p:set>
+                                      <p:cBhvr>
+                                        <p:cTn id="15" dur="1" fill="hold">
+                                          <p:stCondLst>
+                                            <p:cond delay="0"/>
+                                          </p:stCondLst>
+                                        </p:cTn>
+                                        <p:tgtEl>
+                                          <p:spTgt spid="6">
+                                            <p:txEl>
+                                              <p:pRg st="0" end="0"/>
+                                            </p:txEl>
+                                          </p:spTgt>
+                                        </p:tgtEl>
+                                        <p:attrNameLst>
+                                          <p:attrName>style.visibility</p:attrName>
+                                        </p:attrNameLst>
+                                      </p:cBhvr>
+                                      <p:to>
+                                        <p:strVal val="hidden"/>
+                                      </p:to>
+                                    </p:set>
+                                  </p:childTnLst>
+                                </p:cTn>
+                              </p:par>
+                            </p:childTnLst>
+                          </p:cTn>
+                        </p:par>
+                        <p:par>
+                          <p:cTn id="16" fill="hold">
+                            <p:stCondLst>
+                              <p:cond delay="3500"/>
+                            </p:stCondLst>
+                            <p:childTnLst>
+                              <p:par>
+                                <p:cTn id="17" presetID="1" presetClass="entr" presetSubtype="0" fill="hold" grpId="0" nodeType="afterEffect">
+                                  <p:stCondLst>
+                                    <p:cond delay="0"/>
+                                  </p:stCondLst>
+                                  <p:childTnLst>
+                                    <p:set>
+                                      <p:cBhvr>
+                                        <p:cTn id="18" dur="1" fill="hold">
+                                          <p:stCondLst>
+                                            <p:cond delay="0"/>
+                                          </p:stCondLst>
+                                        </p:cTn>
+                                        <p:tgtEl>
+                                          <p:spTgt spid="7"/>
+                                        </p:tgtEl>
+                                        <p:attrNameLst>
+                                          <p:attrName>style.visibility</p:attrName>
+                                        </p:attrNameLst>
+                                      </p:cBhvr>
+                                      <p:to>
+                                        <p:strVal val="visible"/>
+                                      </p:to>
+                                    </p:set>
+                                  </p:childTnLst>
+                                </p:cTn>
+                              </p:par>
+                              <p:par>
+                                <p:cTn id="19" presetID="1" presetClass="exit" presetSubtype="0" fill="hold" grpId="1" nodeType="withEffect">
+                                  <p:stCondLst>
+                                    <p:cond delay="5000"/>
+                                  </p:stCondLst>
+                                  <p:childTnLst>
+                                    <p:set>
+                                      <p:cBhvr>
+                                        <p:cTn id="20" dur="1" fill="hold">
+                                          <p:stCondLst>
+                                            <p:cond delay="0"/>
+                                          </p:stCondLst>
+                                        </p:cTn>
+                                        <p:tgtEl>
+                                          <p:spTgt spid="7"/>
+                                        </p:tgtEl>
+                                        <p:attrNameLst>
+                                          <p:attrName>style.visibility</p:attrName>
+                                        </p:attrNameLst>
+                                      </p:cBhvr>
+                                      <p:to>
+                                        <p:strVal val="hidden"/>
+                                      </p:to>
+                                    </p:set>
+                                  </p:childTnLst>
+                                </p:cTn>
+                              </p:par>
+                              <p:par>
+                                <p:cTn id="21" presetID="1" presetClass="entr" presetSubtype="0" fill="hold" grpId="0" nodeType="withEffect">
+                                  <p:stCondLst>
+                                    <p:cond delay="5000"/>
+                                  </p:stCondLst>
+                                  <p:childTnLst>
+                                    <p:set>
+                                      <p:cBhvr>
+                                        <p:cTn id="22" dur="1" fill="hold">
+                                          <p:stCondLst>
+                                            <p:cond delay="0"/>
+                                          </p:stCondLst>
+                                        </p:cTn>
+                                        <p:tgtEl>
+                                          <p:spTgt spid="10"/>
+                                        </p:tgtEl>
+                                        <p:attrNameLst>
+                                          <p:attrName>style.visibility</p:attrName>
+                                        </p:attrNameLst>
+                                      </p:cBhvr>
+                                      <p:to>
+                                        <p:strVal val="visible"/>
+                                      </p:to>
+                                    </p:set>
+                                  </p:childTnLst>
+                                </p:cTn>
+                              </p:par>
+                              <p:par>
+                                <p:cTn id="23" presetID="14" presetClass="entr" presetSubtype="10" fill="hold" nodeType="withEffect">
+                                  <p:stCondLst>
+                                    <p:cond delay="5000"/>
+                                  </p:stCondLst>
+                                  <p:childTnLst>
+                                    <p:set>
+                                      <p:cBhvr>
+                                        <p:cTn id="24" dur="1" fill="hold">
+                                          <p:stCondLst>
+                                            <p:cond delay="0"/>
+                                          </p:stCondLst>
+                                        </p:cTn>
+                                        <p:tgtEl>
+                                          <p:spTgt spid="1026"/>
+                                        </p:tgtEl>
+                                        <p:attrNameLst>
+                                          <p:attrName>style.visibility</p:attrName>
+                                        </p:attrNameLst>
+                                      </p:cBhvr>
+                                      <p:to>
+                                        <p:strVal val="visible"/>
+                                      </p:to>
+                                    </p:set>
+                                    <p:animEffect transition="in" filter="randombar(horizontal)">
+                                      <p:cBhvr>
+                                        <p:cTn id="25" dur="500"/>
+                                        <p:tgtEl>
+                                          <p:spTgt spid="1026"/>
+                                        </p:tgtEl>
+                                      </p:cBhvr>
+                                    </p:animEffect>
+                                  </p:childTnLst>
+                                </p:cTn>
+                              </p:par>
+                              <p:par>
+                                <p:cTn id="26" presetID="14" presetClass="entr" presetSubtype="10" fill="hold" grpId="0" nodeType="withEffect">
+                                  <p:stCondLst>
+                                    <p:cond delay="5000"/>
+                                  </p:stCondLst>
+                                  <p:childTnLst>
+                                    <p:set>
+                                      <p:cBhvr>
+                                        <p:cTn id="27" dur="1" fill="hold">
+                                          <p:stCondLst>
+                                            <p:cond delay="0"/>
+                                          </p:stCondLst>
+                                        </p:cTn>
+                                        <p:tgtEl>
+                                          <p:spTgt spid="9"/>
+                                        </p:tgtEl>
+                                        <p:attrNameLst>
+                                          <p:attrName>style.visibility</p:attrName>
+                                        </p:attrNameLst>
+                                      </p:cBhvr>
+                                      <p:to>
+                                        <p:strVal val="visible"/>
+                                      </p:to>
+                                    </p:set>
+                                    <p:animEffect transition="in" filter="randombar(horizontal)">
+                                      <p:cBhvr>
+                                        <p:cTn id="28" dur="500"/>
+                                        <p:tgtEl>
+                                          <p:spTgt spid="9"/>
+                                        </p:tgtEl>
+                                      </p:cBhvr>
+                                    </p:animEffect>
+                                  </p:childTnLst>
+                                </p:cTn>
+                              </p:par>
+                              <p:par>
+                                <p:cTn id="29" presetID="14" presetClass="entr" presetSubtype="10" fill="hold" grpId="0" nodeType="withEffect">
+                                  <p:stCondLst>
+                                    <p:cond delay="5000"/>
+                                  </p:stCondLst>
+                                  <p:childTnLst>
+                                    <p:set>
+                                      <p:cBhvr>
+                                        <p:cTn id="30" dur="1" fill="hold">
+                                          <p:stCondLst>
+                                            <p:cond delay="0"/>
+                                          </p:stCondLst>
+                                        </p:cTn>
+                                        <p:tgtEl>
+                                          <p:spTgt spid="8"/>
+                                        </p:tgtEl>
+                                        <p:attrNameLst>
+                                          <p:attrName>style.visibility</p:attrName>
+                                        </p:attrNameLst>
+                                      </p:cBhvr>
+                                      <p:to>
+                                        <p:strVal val="visible"/>
+                                      </p:to>
+                                    </p:set>
+                                    <p:animEffect transition="in" filter="randombar(horizontal)">
+                                      <p:cBhvr>
+                                        <p:cTn id="31" dur="500"/>
+                                        <p:tgtEl>
+                                          <p:spTgt spid="8"/>
+                                        </p:tgtEl>
+                                      </p:cBhvr>
+                                    </p:animEffect>
+                                  </p:childTnLst>
+                                </p:cTn>
+                              </p:par>
+                            </p:childTnLst>
+                          </p:cTn>
+                        </p:par>
+                        <p:par>
+                          <p:cTn id="32" fill="hold">
+                            <p:stCondLst>
+                              <p:cond delay="9000"/>
+                            </p:stCondLst>
+                            <p:childTnLst>
+                              <p:par>
+                                <p:cTn id="33" presetID="1" presetClass="exit" presetSubtype="0" fill="hold" grpId="1" nodeType="afterEffect">
+                                  <p:stCondLst>
+                                    <p:cond delay="5000"/>
+                                  </p:stCondLst>
+                                  <p:childTnLst>
+                                    <p:set>
+                                      <p:cBhvr>
+                                        <p:cTn id="34" dur="1" fill="hold">
+                                          <p:stCondLst>
+                                            <p:cond delay="0"/>
+                                          </p:stCondLst>
+                                        </p:cTn>
+                                        <p:tgtEl>
+                                          <p:spTgt spid="10"/>
+                                        </p:tgtEl>
+                                        <p:attrNameLst>
+                                          <p:attrName>style.visibility</p:attrName>
+                                        </p:attrNameLst>
+                                      </p:cBhvr>
+                                      <p:to>
+                                        <p:strVal val="hidden"/>
+                                      </p:to>
+                                    </p:set>
+                                  </p:childTnLst>
+                                </p:cTn>
+                              </p:par>
+                            </p:childTnLst>
+                          </p:cTn>
+                        </p:par>
+                        <p:par>
+                          <p:cTn id="35" fill="hold">
+                            <p:stCondLst>
+                              <p:cond delay="14000"/>
+                            </p:stCondLst>
+                            <p:childTnLst>
+                              <p:par>
+                                <p:cTn id="36" presetID="14" presetClass="entr" presetSubtype="5" fill="hold" grpId="0" nodeType="afterEffect">
+                                  <p:stCondLst>
+                                    <p:cond delay="0"/>
+                                  </p:stCondLst>
+                                  <p:childTnLst>
+                                    <p:set>
+                                      <p:cBhvr>
+                                        <p:cTn id="37" dur="1" fill="hold">
+                                          <p:stCondLst>
+                                            <p:cond delay="0"/>
+                                          </p:stCondLst>
+                                        </p:cTn>
+                                        <p:tgtEl>
+                                          <p:spTgt spid="11"/>
+                                        </p:tgtEl>
+                                        <p:attrNameLst>
+                                          <p:attrName>style.visibility</p:attrName>
+                                        </p:attrNameLst>
+                                      </p:cBhvr>
+                                      <p:to>
+                                        <p:strVal val="visible"/>
+                                      </p:to>
+                                    </p:set>
+                                    <p:animEffect transition="in" filter="randombar(vertical)">
+                                      <p:cBhvr>
+                                        <p:cTn id="38" dur="500"/>
+                                        <p:tgtEl>
+                                          <p:spTgt spid="11"/>
+                                        </p:tgtEl>
+                                      </p:cBhvr>
+                                    </p:animEffect>
+                                  </p:childTnLst>
+                                </p:cTn>
+                              </p:par>
+                              <p:par>
+                                <p:cTn id="39" presetID="14" presetClass="entr" presetSubtype="5" fill="hold" grpId="0" nodeType="withEffect">
+                                  <p:stCondLst>
+                                    <p:cond delay="0"/>
+                                  </p:stCondLst>
+                                  <p:childTnLst>
+                                    <p:set>
+                                      <p:cBhvr>
+                                        <p:cTn id="40" dur="1" fill="hold">
+                                          <p:stCondLst>
+                                            <p:cond delay="0"/>
+                                          </p:stCondLst>
+                                        </p:cTn>
+                                        <p:tgtEl>
+                                          <p:spTgt spid="12"/>
+                                        </p:tgtEl>
+                                        <p:attrNameLst>
+                                          <p:attrName>style.visibility</p:attrName>
+                                        </p:attrNameLst>
+                                      </p:cBhvr>
+                                      <p:to>
+                                        <p:strVal val="visible"/>
+                                      </p:to>
+                                    </p:set>
+                                    <p:animEffect transition="in" filter="randombar(vertical)">
+                                      <p:cBhvr>
+                                        <p:cTn id="41" dur="500"/>
+                                        <p:tgtEl>
+                                          <p:spTgt spid="12"/>
+                                        </p:tgtEl>
+                                      </p:cBhvr>
+                                    </p:animEffect>
+                                  </p:childTnLst>
+                                </p:cTn>
+                              </p:par>
+                              <p:par>
+                                <p:cTn id="42" presetID="14" presetClass="entr" presetSubtype="5" fill="hold" nodeType="withEffect">
+                                  <p:stCondLst>
+                                    <p:cond delay="0"/>
+                                  </p:stCondLst>
+                                  <p:childTnLst>
+                                    <p:set>
+                                      <p:cBhvr>
+                                        <p:cTn id="43" dur="1" fill="hold">
+                                          <p:stCondLst>
+                                            <p:cond delay="0"/>
+                                          </p:stCondLst>
+                                        </p:cTn>
+                                        <p:tgtEl>
+                                          <p:spTgt spid="1027"/>
+                                        </p:tgtEl>
+                                        <p:attrNameLst>
+                                          <p:attrName>style.visibility</p:attrName>
+                                        </p:attrNameLst>
+                                      </p:cBhvr>
+                                      <p:to>
+                                        <p:strVal val="visible"/>
+                                      </p:to>
+                                    </p:set>
+                                    <p:animEffect transition="in" filter="randombar(vertical)">
+                                      <p:cBhvr>
+                                        <p:cTn id="44" dur="500"/>
+                                        <p:tgtEl>
+                                          <p:spTgt spid="1027"/>
+                                        </p:tgtEl>
+                                      </p:cBhvr>
+                                    </p:animEffect>
+                                  </p:childTnLst>
+                                </p:cTn>
+                              </p:par>
+                            </p:childTnLst>
+                          </p:cTn>
+                        </p:par>
+                        <p:par>
+                          <p:cTn id="45" fill="hold">
+                            <p:stCondLst>
+                              <p:cond delay="14500"/>
+                            </p:stCondLst>
+                            <p:childTnLst>
+                              <p:par>
+                                <p:cTn id="46" presetID="1" presetClass="entr" presetSubtype="0" fill="hold" grpId="0" nodeType="afterEffect">
+                                  <p:stCondLst>
+                                    <p:cond delay="0"/>
+                                  </p:stCondLst>
+                                  <p:childTnLst>
+                                    <p:set>
+                                      <p:cBhvr>
+                                        <p:cTn id="47" dur="1" fill="hold">
+                                          <p:stCondLst>
+                                            <p:cond delay="0"/>
+                                          </p:stCondLst>
+                                        </p:cTn>
+                                        <p:tgtEl>
+                                          <p:spTgt spid="13"/>
+                                        </p:tgtEl>
+                                        <p:attrNameLst>
+                                          <p:attrName>style.visibility</p:attrName>
+                                        </p:attrNameLst>
+                                      </p:cBhvr>
+                                      <p:to>
+                                        <p:strVal val="visible"/>
+                                      </p:to>
+                                    </p:set>
+                                  </p:childTnLst>
+                                </p:cTn>
+                              </p:par>
+                            </p:childTnLst>
+                          </p:cTn>
+                        </p:par>
+                        <p:par>
+                          <p:cTn id="48" fill="hold">
+                            <p:stCondLst>
+                              <p:cond delay="14500"/>
+                            </p:stCondLst>
+                            <p:childTnLst>
+                              <p:par>
+                                <p:cTn id="49" presetID="1" presetClass="exit" presetSubtype="0" fill="hold" grpId="1" nodeType="afterEffect">
+                                  <p:stCondLst>
+                                    <p:cond delay="5000"/>
+                                  </p:stCondLst>
+                                  <p:childTnLst>
+                                    <p:set>
+                                      <p:cBhvr>
+                                        <p:cTn id="50" dur="1" fill="hold">
+                                          <p:stCondLst>
+                                            <p:cond delay="0"/>
+                                          </p:stCondLst>
+                                        </p:cTn>
+                                        <p:tgtEl>
+                                          <p:spTgt spid="13"/>
+                                        </p:tgtEl>
+                                        <p:attrNameLst>
+                                          <p:attrName>style.visibility</p:attrName>
+                                        </p:attrNameLst>
+                                      </p:cBhvr>
+                                      <p:to>
+                                        <p:strVal val="hidden"/>
+                                      </p:to>
+                                    </p:set>
+                                  </p:childTnLst>
+                                </p:cTn>
+                              </p:par>
+                            </p:childTnLst>
+                          </p:cTn>
+                        </p:par>
+                        <p:par>
+                          <p:cTn id="51" fill="hold">
+                            <p:stCondLst>
+                              <p:cond delay="19500"/>
+                            </p:stCondLst>
+                            <p:childTnLst>
+                              <p:par>
+                                <p:cTn id="52" presetID="14" presetClass="entr" presetSubtype="10" fill="hold" grpId="0" nodeType="afterEffect">
+                                  <p:stCondLst>
+                                    <p:cond delay="0"/>
+                                  </p:stCondLst>
+                                  <p:childTnLst>
+                                    <p:set>
+                                      <p:cBhvr>
+                                        <p:cTn id="53" dur="1" fill="hold">
+                                          <p:stCondLst>
+                                            <p:cond delay="0"/>
+                                          </p:stCondLst>
+                                        </p:cTn>
+                                        <p:tgtEl>
+                                          <p:spTgt spid="15"/>
+                                        </p:tgtEl>
+                                        <p:attrNameLst>
+                                          <p:attrName>style.visibility</p:attrName>
+                                        </p:attrNameLst>
+                                      </p:cBhvr>
+                                      <p:to>
+                                        <p:strVal val="visible"/>
+                                      </p:to>
+                                    </p:set>
+                                    <p:animEffect transition="in" filter="randombar(horizontal)">
+                                      <p:cBhvr>
+                                        <p:cTn id="54" dur="500"/>
+                                        <p:tgtEl>
+                                          <p:spTgt spid="15"/>
+                                        </p:tgtEl>
+                                      </p:cBhvr>
+                                    </p:animEffect>
+                                  </p:childTnLst>
+                                </p:cTn>
+                              </p:par>
+                              <p:par>
+                                <p:cTn id="55" presetID="14" presetClass="entr" presetSubtype="10" fill="hold" nodeType="withEffect">
+                                  <p:stCondLst>
+                                    <p:cond delay="0"/>
+                                  </p:stCondLst>
+                                  <p:childTnLst>
+                                    <p:set>
+                                      <p:cBhvr>
+                                        <p:cTn id="56" dur="1" fill="hold">
+                                          <p:stCondLst>
+                                            <p:cond delay="0"/>
+                                          </p:stCondLst>
+                                        </p:cTn>
+                                        <p:tgtEl>
+                                          <p:spTgt spid="1028"/>
+                                        </p:tgtEl>
+                                        <p:attrNameLst>
+                                          <p:attrName>style.visibility</p:attrName>
+                                        </p:attrNameLst>
+                                      </p:cBhvr>
+                                      <p:to>
+                                        <p:strVal val="visible"/>
+                                      </p:to>
+                                    </p:set>
+                                    <p:animEffect transition="in" filter="randombar(horizontal)">
+                                      <p:cBhvr>
+                                        <p:cTn id="57" dur="500"/>
+                                        <p:tgtEl>
+                                          <p:spTgt spid="1028"/>
+                                        </p:tgtEl>
+                                      </p:cBhvr>
+                                    </p:animEffect>
+                                  </p:childTnLst>
+                                </p:cTn>
+                              </p:par>
+                              <p:par>
+                                <p:cTn id="58" presetID="14" presetClass="entr" presetSubtype="10" fill="hold" grpId="0" nodeType="withEffect">
+                                  <p:stCondLst>
+                                    <p:cond delay="0"/>
+                                  </p:stCondLst>
+                                  <p:childTnLst>
+                                    <p:set>
+                                      <p:cBhvr>
+                                        <p:cTn id="59" dur="1" fill="hold">
+                                          <p:stCondLst>
+                                            <p:cond delay="0"/>
+                                          </p:stCondLst>
+                                        </p:cTn>
+                                        <p:tgtEl>
+                                          <p:spTgt spid="14"/>
+                                        </p:tgtEl>
+                                        <p:attrNameLst>
+                                          <p:attrName>style.visibility</p:attrName>
+                                        </p:attrNameLst>
+                                      </p:cBhvr>
+                                      <p:to>
+                                        <p:strVal val="visible"/>
+                                      </p:to>
+                                    </p:set>
+                                    <p:animEffect transition="in" filter="randombar(horizontal)">
+                                      <p:cBhvr>
+                                        <p:cTn id="60" dur="500"/>
+                                        <p:tgtEl>
+                                          <p:spTgt spid="14"/>
+                                        </p:tgtEl>
+                                      </p:cBhvr>
+                                    </p:animEffect>
+                                  </p:childTnLst>
+                                </p:cTn>
+                              </p:par>
+                            </p:childTnLst>
+                          </p:cTn>
+                        </p:par>
+                        <p:par>
+                          <p:cTn id="61" fill="hold">
+                            <p:stCondLst>
+                              <p:cond delay="20000"/>
+                            </p:stCondLst>
+                            <p:childTnLst>
+                              <p:par>
+                                <p:cTn id="62" presetID="1" presetClass="entr" presetSubtype="0" fill="hold" grpId="0" nodeType="afterEffect">
+                                  <p:stCondLst>
+                                    <p:cond delay="0"/>
+                                  </p:stCondLst>
+                                  <p:childTnLst>
+                                    <p:set>
+                                      <p:cBhvr>
+                                        <p:cTn id="63" dur="1" fill="hold">
+                                          <p:stCondLst>
+                                            <p:cond delay="0"/>
+                                          </p:stCondLst>
+                                        </p:cTn>
+                                        <p:tgtEl>
+                                          <p:spTgt spid="16"/>
+                                        </p:tgtEl>
+                                        <p:attrNameLst>
+                                          <p:attrName>style.visibility</p:attrName>
+                                        </p:attrNameLst>
+                                      </p:cBhvr>
+                                      <p:to>
+                                        <p:strVal val="visible"/>
+                                      </p:to>
+                                    </p:set>
+                                  </p:childTnLst>
+                                </p:cTn>
+                              </p:par>
+                            </p:childTnLst>
+                          </p:cTn>
+                        </p:par>
+                      </p:childTnLst>
+                    </p:cTn>
+                  </p:par>
+                </p:childTnLst>
+              </p:cTn>
+              <p:prevCondLst>
+                <p:cond evt="onPrev" delay="0">
+                  <p:tgtEl>
+                    <p:sldTgt/>
+                  </p:tgtEl>
+                </p:cond>
+              </p:prevCondLst>
+              <p:nextCondLst>
+                <p:cond evt="onNext" delay="0">
+                  <p:tgtEl>
+                    <p:sldTgt/>
+                  </p:tgtEl>
+                </p:cond>
+              </p:nextCondLst>
+            </p:seq>
+          </p:childTnLst>
+        </p:cTn>
       </p:par>
     </p:tnLst>
+    <p:bldLst>
+      <p:bldP spid="2" grpId="0"/>
+      <p:bldP spid="3" grpId="0" animBg="1"/>
+      <p:bldP spid="7" grpId="0"/>
+      <p:bldP spid="7" grpId="1"/>
+      <p:bldP spid="8" grpId="0" animBg="1"/>
+      <p:bldP spid="9" grpId="0"/>
+      <p:bldP spid="10" grpId="0"/>
+      <p:bldP spid="10" grpId="1"/>
+      <p:bldP spid="11" grpId="0" animBg="1"/>
+      <p:bldP spid="12" grpId="0"/>
+      <p:bldP spid="13" grpId="0"/>
+      <p:bldP spid="13" grpId="1"/>
+      <p:bldP spid="14" grpId="0" animBg="1"/>
+      <p:bldP spid="15" grpId="0"/>
+      <p:bldP spid="16" grpId="0"/>
+    </p:bldLst>
   </p:timing>
 </p:sld>
 </file>
@@ -8756,6 +9889,704 @@
           </a:p>
         </p:txBody>
       </p:sp>
+      <p:sp>
+        <p:nvSpPr>
+          <p:cNvPr id="2" name="Rectangle 1"/>
+          <p:cNvSpPr/>
+          <p:nvPr/>
+        </p:nvSpPr>
+        <p:spPr>
+          <a:xfrm>
+            <a:off x="2969345" y="619587"/>
+            <a:ext cx="4176529" cy="1569660"/>
+          </a:xfrm>
+          <a:prstGeom prst="rect">
+            <a:avLst/>
+          </a:prstGeom>
+          <a:noFill/>
+        </p:spPr>
+        <p:txBody>
+          <a:bodyPr wrap="none" lIns="91440" tIns="45720" rIns="91440" bIns="45720">
+            <a:spAutoFit/>
+          </a:bodyPr>
+          <a:lstStyle/>
+          <a:p>
+            <a:pPr algn="ctr"/>
+            <a:r>
+              <a:rPr lang="en-US" altLang="zh-CN" sz="9600" b="1" dirty="0" err="1" smtClean="0">
+                <a:ln w="1905"/>
+                <a:gradFill>
+                  <a:gsLst>
+                    <a:gs pos="0">
+                      <a:schemeClr val="accent6">
+                        <a:shade val="20000"/>
+                        <a:satMod val="200000"/>
+                      </a:schemeClr>
+                    </a:gs>
+                    <a:gs pos="78000">
+                      <a:schemeClr val="accent6">
+                        <a:tint val="90000"/>
+                        <a:shade val="89000"/>
+                        <a:satMod val="220000"/>
+                      </a:schemeClr>
+                    </a:gs>
+                    <a:gs pos="100000">
+                      <a:schemeClr val="accent6">
+                        <a:tint val="12000"/>
+                        <a:satMod val="255000"/>
+                      </a:schemeClr>
+                    </a:gs>
+                  </a:gsLst>
+                  <a:lin ang="5400000"/>
+                </a:gradFill>
+                <a:effectLst>
+                  <a:glow rad="139700">
+                    <a:schemeClr val="accent2">
+                      <a:satMod val="175000"/>
+                      <a:alpha val="40000"/>
+                    </a:schemeClr>
+                  </a:glow>
+                  <a:innerShdw blurRad="69850" dist="43180" dir="5400000">
+                    <a:srgbClr val="000000">
+                      <a:alpha val="65000"/>
+                    </a:srgbClr>
+                  </a:innerShdw>
+                </a:effectLst>
+              </a:rPr>
+              <a:t>DevFins</a:t>
+            </a:r>
+            <a:endParaRPr lang="en-US" altLang="zh-CN" sz="7200" b="1" dirty="0">
+              <a:ln w="1905"/>
+              <a:gradFill>
+                <a:gsLst>
+                  <a:gs pos="0">
+                    <a:schemeClr val="accent6">
+                      <a:shade val="20000"/>
+                      <a:satMod val="200000"/>
+                    </a:schemeClr>
+                  </a:gs>
+                  <a:gs pos="78000">
+                    <a:schemeClr val="accent6">
+                      <a:tint val="90000"/>
+                      <a:shade val="89000"/>
+                      <a:satMod val="220000"/>
+                    </a:schemeClr>
+                  </a:gs>
+                  <a:gs pos="100000">
+                    <a:schemeClr val="accent6">
+                      <a:tint val="12000"/>
+                      <a:satMod val="255000"/>
+                    </a:schemeClr>
+                  </a:gs>
+                </a:gsLst>
+                <a:lin ang="5400000"/>
+              </a:gradFill>
+              <a:effectLst>
+                <a:glow rad="139700">
+                  <a:schemeClr val="accent2">
+                    <a:satMod val="175000"/>
+                    <a:alpha val="40000"/>
+                  </a:schemeClr>
+                </a:glow>
+                <a:innerShdw blurRad="69850" dist="43180" dir="5400000">
+                  <a:srgbClr val="000000">
+                    <a:alpha val="65000"/>
+                  </a:srgbClr>
+                </a:innerShdw>
+              </a:effectLst>
+            </a:endParaRPr>
+          </a:p>
+        </p:txBody>
+      </p:sp>
+      <p:sp>
+        <p:nvSpPr>
+          <p:cNvPr id="3" name="Rectangle 2"/>
+          <p:cNvSpPr/>
+          <p:nvPr/>
+        </p:nvSpPr>
+        <p:spPr>
+          <a:xfrm>
+            <a:off x="233993" y="6854963"/>
+            <a:ext cx="9677400" cy="707886"/>
+          </a:xfrm>
+          <a:prstGeom prst="rect">
+            <a:avLst/>
+          </a:prstGeom>
+        </p:spPr>
+        <p:txBody>
+          <a:bodyPr wrap="square">
+            <a:spAutoFit/>
+          </a:bodyPr>
+          <a:lstStyle/>
+          <a:p>
+            <a:r>
+              <a:rPr lang="en-US" altLang="zh-CN" dirty="0">
+                <a:solidFill>
+                  <a:schemeClr val="bg1"/>
+                </a:solidFill>
+              </a:rPr>
+              <a:t>That's all for our project brief. please remember our team name </a:t>
+            </a:r>
+            <a:r>
+              <a:rPr lang="en-US" altLang="zh-CN" dirty="0" err="1">
+                <a:solidFill>
+                  <a:schemeClr val="bg1"/>
+                </a:solidFill>
+              </a:rPr>
+              <a:t>DevFins</a:t>
+            </a:r>
+            <a:r>
+              <a:rPr lang="en-US" altLang="zh-CN" dirty="0">
+                <a:solidFill>
+                  <a:schemeClr val="bg1"/>
+                </a:solidFill>
+              </a:rPr>
+              <a:t>. It is Development plus Finance</a:t>
+            </a:r>
+            <a:endParaRPr lang="zh-CN" altLang="en-US" dirty="0">
+              <a:solidFill>
+                <a:schemeClr val="bg1"/>
+              </a:solidFill>
+            </a:endParaRPr>
+          </a:p>
+        </p:txBody>
+      </p:sp>
+      <p:sp>
+        <p:nvSpPr>
+          <p:cNvPr id="6" name="Rectangle 5"/>
+          <p:cNvSpPr/>
+          <p:nvPr/>
+        </p:nvSpPr>
+        <p:spPr>
+          <a:xfrm>
+            <a:off x="244312" y="7008851"/>
+            <a:ext cx="8915400" cy="400110"/>
+          </a:xfrm>
+          <a:prstGeom prst="rect">
+            <a:avLst/>
+          </a:prstGeom>
+        </p:spPr>
+        <p:txBody>
+          <a:bodyPr wrap="square">
+            <a:spAutoFit/>
+          </a:bodyPr>
+          <a:lstStyle/>
+          <a:p>
+            <a:r>
+              <a:rPr lang="en-US" altLang="zh-CN" dirty="0" smtClean="0">
+                <a:solidFill>
+                  <a:schemeClr val="bg1"/>
+                </a:solidFill>
+              </a:rPr>
+              <a:t>Our </a:t>
+            </a:r>
+            <a:r>
+              <a:rPr lang="en-US" altLang="zh-CN" dirty="0">
+                <a:solidFill>
+                  <a:schemeClr val="bg1"/>
+                </a:solidFill>
+              </a:rPr>
+              <a:t>team target is to make Financial operation Simpler, Faster and Better.</a:t>
+            </a:r>
+            <a:endParaRPr lang="zh-CN" altLang="en-US" dirty="0">
+              <a:solidFill>
+                <a:schemeClr val="bg1"/>
+              </a:solidFill>
+            </a:endParaRPr>
+          </a:p>
+        </p:txBody>
+      </p:sp>
+      <p:sp>
+        <p:nvSpPr>
+          <p:cNvPr id="8" name="Rectangle 7"/>
+          <p:cNvSpPr/>
+          <p:nvPr/>
+        </p:nvSpPr>
+        <p:spPr>
+          <a:xfrm>
+            <a:off x="467519" y="4382095"/>
+            <a:ext cx="2691763" cy="923330"/>
+          </a:xfrm>
+          <a:prstGeom prst="rect">
+            <a:avLst/>
+          </a:prstGeom>
+        </p:spPr>
+        <p:style>
+          <a:lnRef idx="2">
+            <a:schemeClr val="accent5"/>
+          </a:lnRef>
+          <a:fillRef idx="1">
+            <a:schemeClr val="lt1"/>
+          </a:fillRef>
+          <a:effectRef idx="0">
+            <a:schemeClr val="accent5"/>
+          </a:effectRef>
+          <a:fontRef idx="minor">
+            <a:schemeClr val="dk1"/>
+          </a:fontRef>
+        </p:style>
+        <p:txBody>
+          <a:bodyPr wrap="none" lIns="91440" tIns="45720" rIns="91440" bIns="45720">
+            <a:spAutoFit/>
+            <a:scene3d>
+              <a:camera prst="orthographicFront"/>
+              <a:lightRig rig="brightRoom" dir="t"/>
+            </a:scene3d>
+            <a:sp3d contourW="6350" prstMaterial="plastic">
+              <a:bevelT w="20320" h="20320" prst="angle"/>
+              <a:contourClr>
+                <a:schemeClr val="accent1">
+                  <a:tint val="100000"/>
+                  <a:shade val="100000"/>
+                  <a:hueMod val="100000"/>
+                  <a:satMod val="100000"/>
+                </a:schemeClr>
+              </a:contourClr>
+            </a:sp3d>
+          </a:bodyPr>
+          <a:lstStyle/>
+          <a:p>
+            <a:pPr algn="ctr"/>
+            <a:r>
+              <a:rPr lang="en-US" altLang="zh-CN" sz="5400" b="1" cap="all" spc="0" dirty="0">
+                <a:ln/>
+                <a:solidFill>
+                  <a:schemeClr val="accent1"/>
+                </a:solidFill>
+                <a:effectLst>
+                  <a:outerShdw blurRad="19685" dist="12700" dir="5400000" algn="tl" rotWithShape="0">
+                    <a:schemeClr val="accent1">
+                      <a:satMod val="130000"/>
+                      <a:alpha val="60000"/>
+                    </a:schemeClr>
+                  </a:outerShdw>
+                  <a:reflection blurRad="10000" stA="55000" endPos="48000" dist="500" dir="5400000" sy="-100000" algn="bl" rotWithShape="0"/>
+                </a:effectLst>
+              </a:rPr>
+              <a:t>Simpler</a:t>
+            </a:r>
+            <a:endParaRPr lang="zh-CN" altLang="en-US" sz="5400" b="1" cap="all" spc="0" dirty="0">
+              <a:ln/>
+              <a:solidFill>
+                <a:schemeClr val="accent1"/>
+              </a:solidFill>
+              <a:effectLst>
+                <a:outerShdw blurRad="19685" dist="12700" dir="5400000" algn="tl" rotWithShape="0">
+                  <a:schemeClr val="accent1">
+                    <a:satMod val="130000"/>
+                    <a:alpha val="60000"/>
+                  </a:schemeClr>
+                </a:outerShdw>
+                <a:reflection blurRad="10000" stA="55000" endPos="48000" dist="500" dir="5400000" sy="-100000" algn="bl" rotWithShape="0"/>
+              </a:effectLst>
+            </a:endParaRPr>
+          </a:p>
+        </p:txBody>
+      </p:sp>
+      <p:sp>
+        <p:nvSpPr>
+          <p:cNvPr id="10" name="Rectangle 9"/>
+          <p:cNvSpPr/>
+          <p:nvPr/>
+        </p:nvSpPr>
+        <p:spPr>
+          <a:xfrm>
+            <a:off x="4207578" y="4382095"/>
+            <a:ext cx="2273892" cy="923330"/>
+          </a:xfrm>
+          <a:prstGeom prst="rect">
+            <a:avLst/>
+          </a:prstGeom>
+        </p:spPr>
+        <p:style>
+          <a:lnRef idx="2">
+            <a:schemeClr val="accent5"/>
+          </a:lnRef>
+          <a:fillRef idx="1">
+            <a:schemeClr val="lt1"/>
+          </a:fillRef>
+          <a:effectRef idx="0">
+            <a:schemeClr val="accent5"/>
+          </a:effectRef>
+          <a:fontRef idx="minor">
+            <a:schemeClr val="dk1"/>
+          </a:fontRef>
+        </p:style>
+        <p:txBody>
+          <a:bodyPr wrap="none" lIns="91440" tIns="45720" rIns="91440" bIns="45720">
+            <a:spAutoFit/>
+            <a:scene3d>
+              <a:camera prst="orthographicFront"/>
+              <a:lightRig rig="brightRoom" dir="t"/>
+            </a:scene3d>
+            <a:sp3d contourW="6350" prstMaterial="plastic">
+              <a:bevelT w="20320" h="20320" prst="angle"/>
+              <a:contourClr>
+                <a:schemeClr val="accent1">
+                  <a:tint val="100000"/>
+                  <a:shade val="100000"/>
+                  <a:hueMod val="100000"/>
+                  <a:satMod val="100000"/>
+                </a:schemeClr>
+              </a:contourClr>
+            </a:sp3d>
+          </a:bodyPr>
+          <a:lstStyle/>
+          <a:p>
+            <a:pPr algn="ctr"/>
+            <a:r>
+              <a:rPr lang="en-US" altLang="zh-CN" sz="5400" b="1" cap="all" dirty="0" smtClean="0">
+                <a:ln/>
+                <a:solidFill>
+                  <a:schemeClr val="accent1"/>
+                </a:solidFill>
+                <a:effectLst>
+                  <a:outerShdw blurRad="19685" dist="12700" dir="5400000" algn="tl" rotWithShape="0">
+                    <a:schemeClr val="accent1">
+                      <a:satMod val="130000"/>
+                      <a:alpha val="60000"/>
+                    </a:schemeClr>
+                  </a:outerShdw>
+                  <a:reflection blurRad="10000" stA="55000" endPos="48000" dist="500" dir="5400000" sy="-100000" algn="bl" rotWithShape="0"/>
+                </a:effectLst>
+              </a:rPr>
+              <a:t>Faster</a:t>
+            </a:r>
+            <a:endParaRPr lang="en-US" altLang="zh-CN" sz="5400" b="1" cap="all" dirty="0">
+              <a:ln/>
+              <a:solidFill>
+                <a:schemeClr val="accent1"/>
+              </a:solidFill>
+              <a:effectLst>
+                <a:outerShdw blurRad="19685" dist="12700" dir="5400000" algn="tl" rotWithShape="0">
+                  <a:schemeClr val="accent1">
+                    <a:satMod val="130000"/>
+                    <a:alpha val="60000"/>
+                  </a:schemeClr>
+                </a:outerShdw>
+                <a:reflection blurRad="10000" stA="55000" endPos="48000" dist="500" dir="5400000" sy="-100000" algn="bl" rotWithShape="0"/>
+              </a:effectLst>
+            </a:endParaRPr>
+          </a:p>
+        </p:txBody>
+      </p:sp>
+      <p:sp>
+        <p:nvSpPr>
+          <p:cNvPr id="11" name="Rectangle 10"/>
+          <p:cNvSpPr/>
+          <p:nvPr/>
+        </p:nvSpPr>
+        <p:spPr>
+          <a:xfrm>
+            <a:off x="7578255" y="4382095"/>
+            <a:ext cx="2333138" cy="923330"/>
+          </a:xfrm>
+          <a:prstGeom prst="rect">
+            <a:avLst/>
+          </a:prstGeom>
+        </p:spPr>
+        <p:style>
+          <a:lnRef idx="2">
+            <a:schemeClr val="accent5"/>
+          </a:lnRef>
+          <a:fillRef idx="1">
+            <a:schemeClr val="lt1"/>
+          </a:fillRef>
+          <a:effectRef idx="0">
+            <a:schemeClr val="accent5"/>
+          </a:effectRef>
+          <a:fontRef idx="minor">
+            <a:schemeClr val="dk1"/>
+          </a:fontRef>
+        </p:style>
+        <p:txBody>
+          <a:bodyPr wrap="none" lIns="91440" tIns="45720" rIns="91440" bIns="45720">
+            <a:spAutoFit/>
+            <a:scene3d>
+              <a:camera prst="orthographicFront"/>
+              <a:lightRig rig="brightRoom" dir="t"/>
+            </a:scene3d>
+            <a:sp3d contourW="6350" prstMaterial="plastic">
+              <a:bevelT w="20320" h="20320" prst="angle"/>
+              <a:contourClr>
+                <a:schemeClr val="accent1">
+                  <a:tint val="100000"/>
+                  <a:shade val="100000"/>
+                  <a:hueMod val="100000"/>
+                  <a:satMod val="100000"/>
+                </a:schemeClr>
+              </a:contourClr>
+            </a:sp3d>
+          </a:bodyPr>
+          <a:lstStyle/>
+          <a:p>
+            <a:pPr algn="ctr"/>
+            <a:r>
+              <a:rPr lang="en-US" altLang="zh-CN" sz="5400" b="1" cap="all" dirty="0">
+                <a:ln/>
+                <a:solidFill>
+                  <a:schemeClr val="accent1"/>
+                </a:solidFill>
+                <a:effectLst>
+                  <a:outerShdw blurRad="19685" dist="12700" dir="5400000" algn="tl" rotWithShape="0">
+                    <a:schemeClr val="accent1">
+                      <a:satMod val="130000"/>
+                      <a:alpha val="60000"/>
+                    </a:schemeClr>
+                  </a:outerShdw>
+                  <a:reflection blurRad="10000" stA="55000" endPos="48000" dist="500" dir="5400000" sy="-100000" algn="bl" rotWithShape="0"/>
+                </a:effectLst>
+              </a:rPr>
+              <a:t>Better</a:t>
+            </a:r>
+            <a:endParaRPr lang="en-US" altLang="zh-CN" sz="5400" b="1" cap="all" spc="0" dirty="0">
+              <a:ln/>
+              <a:solidFill>
+                <a:schemeClr val="accent1"/>
+              </a:solidFill>
+              <a:effectLst>
+                <a:outerShdw blurRad="19685" dist="12700" dir="5400000" algn="tl" rotWithShape="0">
+                  <a:schemeClr val="accent1">
+                    <a:satMod val="130000"/>
+                    <a:alpha val="60000"/>
+                  </a:schemeClr>
+                </a:outerShdw>
+                <a:reflection blurRad="10000" stA="55000" endPos="48000" dist="500" dir="5400000" sy="-100000" algn="bl" rotWithShape="0"/>
+              </a:effectLst>
+            </a:endParaRPr>
+          </a:p>
+        </p:txBody>
+      </p:sp>
+      <p:sp>
+        <p:nvSpPr>
+          <p:cNvPr id="12" name="Rectangle 11"/>
+          <p:cNvSpPr/>
+          <p:nvPr/>
+        </p:nvSpPr>
+        <p:spPr>
+          <a:xfrm>
+            <a:off x="-3418681" y="2508248"/>
+            <a:ext cx="3276153" cy="769441"/>
+          </a:xfrm>
+          <a:prstGeom prst="rect">
+            <a:avLst/>
+          </a:prstGeom>
+          <a:noFill/>
+        </p:spPr>
+        <p:txBody>
+          <a:bodyPr wrap="none" lIns="91440" tIns="45720" rIns="91440" bIns="45720">
+            <a:spAutoFit/>
+            <a:scene3d>
+              <a:camera prst="orthographicFront"/>
+              <a:lightRig rig="flat" dir="tl">
+                <a:rot lat="0" lon="0" rev="6600000"/>
+              </a:lightRig>
+            </a:scene3d>
+            <a:sp3d extrusionH="25400" contourW="8890">
+              <a:bevelT w="38100" h="31750"/>
+              <a:contourClr>
+                <a:schemeClr val="accent2">
+                  <a:shade val="75000"/>
+                </a:schemeClr>
+              </a:contourClr>
+            </a:sp3d>
+          </a:bodyPr>
+          <a:lstStyle/>
+          <a:p>
+            <a:pPr algn="ctr"/>
+            <a:r>
+              <a:rPr lang="en-US" altLang="zh-CN" sz="4400" dirty="0">
+                <a:ln w="1905"/>
+                <a:gradFill>
+                  <a:gsLst>
+                    <a:gs pos="0">
+                      <a:schemeClr val="accent6">
+                        <a:shade val="20000"/>
+                        <a:satMod val="200000"/>
+                      </a:schemeClr>
+                    </a:gs>
+                    <a:gs pos="78000">
+                      <a:schemeClr val="accent6">
+                        <a:tint val="90000"/>
+                        <a:shade val="89000"/>
+                        <a:satMod val="220000"/>
+                      </a:schemeClr>
+                    </a:gs>
+                    <a:gs pos="100000">
+                      <a:schemeClr val="accent6">
+                        <a:tint val="12000"/>
+                        <a:satMod val="255000"/>
+                      </a:schemeClr>
+                    </a:gs>
+                  </a:gsLst>
+                  <a:lin ang="5400000"/>
+                </a:gradFill>
+                <a:effectLst>
+                  <a:glow rad="139700">
+                    <a:schemeClr val="accent2">
+                      <a:satMod val="175000"/>
+                      <a:alpha val="40000"/>
+                    </a:schemeClr>
+                  </a:glow>
+                  <a:innerShdw blurRad="69850" dist="43180" dir="5400000">
+                    <a:srgbClr val="000000">
+                      <a:alpha val="65000"/>
+                    </a:srgbClr>
+                  </a:innerShdw>
+                </a:effectLst>
+              </a:rPr>
+              <a:t>Development</a:t>
+            </a:r>
+            <a:endParaRPr lang="en-US" altLang="zh-CN" sz="4400" dirty="0">
+              <a:ln w="1905"/>
+              <a:gradFill>
+                <a:gsLst>
+                  <a:gs pos="0">
+                    <a:schemeClr val="accent6">
+                      <a:shade val="20000"/>
+                      <a:satMod val="200000"/>
+                    </a:schemeClr>
+                  </a:gs>
+                  <a:gs pos="78000">
+                    <a:schemeClr val="accent6">
+                      <a:tint val="90000"/>
+                      <a:shade val="89000"/>
+                      <a:satMod val="220000"/>
+                    </a:schemeClr>
+                  </a:gs>
+                  <a:gs pos="100000">
+                    <a:schemeClr val="accent6">
+                      <a:tint val="12000"/>
+                      <a:satMod val="255000"/>
+                    </a:schemeClr>
+                  </a:gs>
+                </a:gsLst>
+                <a:lin ang="5400000"/>
+              </a:gradFill>
+              <a:effectLst>
+                <a:glow rad="139700">
+                  <a:schemeClr val="accent2">
+                    <a:satMod val="175000"/>
+                    <a:alpha val="40000"/>
+                  </a:schemeClr>
+                </a:glow>
+                <a:innerShdw blurRad="69850" dist="43180" dir="5400000">
+                  <a:srgbClr val="000000">
+                    <a:alpha val="65000"/>
+                  </a:srgbClr>
+                </a:innerShdw>
+              </a:effectLst>
+            </a:endParaRPr>
+          </a:p>
+        </p:txBody>
+      </p:sp>
+      <p:sp>
+        <p:nvSpPr>
+          <p:cNvPr id="13" name="Rectangle 12"/>
+          <p:cNvSpPr/>
+          <p:nvPr/>
+        </p:nvSpPr>
+        <p:spPr>
+          <a:xfrm>
+            <a:off x="10830719" y="2508248"/>
+            <a:ext cx="1957587" cy="769441"/>
+          </a:xfrm>
+          <a:prstGeom prst="rect">
+            <a:avLst/>
+          </a:prstGeom>
+        </p:spPr>
+        <p:txBody>
+          <a:bodyPr wrap="none">
+            <a:spAutoFit/>
+          </a:bodyPr>
+          <a:lstStyle/>
+          <a:p>
+            <a:r>
+              <a:rPr lang="en-US" altLang="zh-CN" sz="4400" dirty="0">
+                <a:ln w="1905"/>
+                <a:gradFill>
+                  <a:gsLst>
+                    <a:gs pos="0">
+                      <a:schemeClr val="accent6">
+                        <a:shade val="20000"/>
+                        <a:satMod val="200000"/>
+                      </a:schemeClr>
+                    </a:gs>
+                    <a:gs pos="78000">
+                      <a:schemeClr val="accent6">
+                        <a:tint val="90000"/>
+                        <a:shade val="89000"/>
+                        <a:satMod val="220000"/>
+                      </a:schemeClr>
+                    </a:gs>
+                    <a:gs pos="100000">
+                      <a:schemeClr val="accent6">
+                        <a:tint val="12000"/>
+                        <a:satMod val="255000"/>
+                      </a:schemeClr>
+                    </a:gs>
+                  </a:gsLst>
+                  <a:lin ang="5400000"/>
+                </a:gradFill>
+                <a:effectLst>
+                  <a:glow rad="139700">
+                    <a:schemeClr val="accent2">
+                      <a:satMod val="175000"/>
+                      <a:alpha val="40000"/>
+                    </a:schemeClr>
+                  </a:glow>
+                  <a:innerShdw blurRad="69850" dist="43180" dir="5400000">
+                    <a:srgbClr val="000000">
+                      <a:alpha val="65000"/>
+                    </a:srgbClr>
+                  </a:innerShdw>
+                </a:effectLst>
+              </a:rPr>
+              <a:t>Finance</a:t>
+            </a:r>
+            <a:endParaRPr lang="zh-CN" altLang="en-US" sz="4400" dirty="0">
+              <a:ln w="1905"/>
+              <a:gradFill>
+                <a:gsLst>
+                  <a:gs pos="0">
+                    <a:schemeClr val="accent6">
+                      <a:shade val="20000"/>
+                      <a:satMod val="200000"/>
+                    </a:schemeClr>
+                  </a:gs>
+                  <a:gs pos="78000">
+                    <a:schemeClr val="accent6">
+                      <a:tint val="90000"/>
+                      <a:shade val="89000"/>
+                      <a:satMod val="220000"/>
+                    </a:schemeClr>
+                  </a:gs>
+                  <a:gs pos="100000">
+                    <a:schemeClr val="accent6">
+                      <a:tint val="12000"/>
+                      <a:satMod val="255000"/>
+                    </a:schemeClr>
+                  </a:gs>
+                </a:gsLst>
+                <a:lin ang="5400000"/>
+              </a:gradFill>
+              <a:effectLst>
+                <a:glow rad="139700">
+                  <a:schemeClr val="accent2">
+                    <a:satMod val="175000"/>
+                    <a:alpha val="40000"/>
+                  </a:schemeClr>
+                </a:glow>
+                <a:innerShdw blurRad="69850" dist="43180" dir="5400000">
+                  <a:srgbClr val="000000">
+                    <a:alpha val="65000"/>
+                  </a:srgbClr>
+                </a:innerShdw>
+              </a:effectLst>
+            </a:endParaRPr>
+          </a:p>
+        </p:txBody>
+      </p:sp>
     </p:spTree>
     <p:extLst>
       <p:ext uri="{BB962C8B-B14F-4D97-AF65-F5344CB8AC3E}">
@@ -8766,20 +10597,496 @@
   <p:clrMapOvr>
     <a:masterClrMapping/>
   </p:clrMapOvr>
-  <mc:AlternateContent xmlns:mc="http://schemas.openxmlformats.org/markup-compatibility/2006">
-    <mc:Choice xmlns:p14="http://schemas.microsoft.com/office/powerpoint/2010/main" Requires="p14">
+  <mc:AlternateContent xmlns:mc="http://schemas.openxmlformats.org/markup-compatibility/2006" xmlns:p14="http://schemas.microsoft.com/office/powerpoint/2010/main">
+    <mc:Choice Requires="p14">
       <p:transition spd="slow" p14:dur="2000"/>
     </mc:Choice>
-    <mc:Fallback>
+    <mc:Fallback xmlns="">
       <p:transition spd="slow"/>
     </mc:Fallback>
   </mc:AlternateContent>
   <p:timing>
     <p:tnLst>
       <p:par>
-        <p:cTn id="1" dur="indefinite" restart="never" nodeType="tmRoot"/>
+        <p:cTn id="1" dur="indefinite" restart="never" nodeType="tmRoot">
+          <p:childTnLst>
+            <p:seq concurrent="1" nextAc="seek">
+              <p:cTn id="2" dur="indefinite" nodeType="mainSeq">
+                <p:childTnLst>
+                  <p:par>
+                    <p:cTn id="3" fill="hold">
+                      <p:stCondLst>
+                        <p:cond delay="indefinite"/>
+                        <p:cond evt="onBegin" delay="0">
+                          <p:tn val="2"/>
+                        </p:cond>
+                      </p:stCondLst>
+                      <p:childTnLst>
+                        <p:par>
+                          <p:cTn id="4" fill="hold">
+                            <p:stCondLst>
+                              <p:cond delay="0"/>
+                            </p:stCondLst>
+                            <p:childTnLst>
+                              <p:par>
+                                <p:cTn id="5" presetID="42" presetClass="path" presetSubtype="0" accel="50000" decel="50000" fill="hold" grpId="0" nodeType="withEffect">
+                                  <p:stCondLst>
+                                    <p:cond delay="5000"/>
+                                  </p:stCondLst>
+                                  <p:childTnLst>
+                                    <p:animMotion origin="layout" path="M -4.60808E-6 -8.72483E-7 L -0.40498 0.00671 " pathEditMode="relative" rAng="0" ptsTypes="AA">
+                                      <p:cBhvr>
+                                        <p:cTn id="6" dur="2000" fill="hold"/>
+                                        <p:tgtEl>
+                                          <p:spTgt spid="13"/>
+                                        </p:tgtEl>
+                                        <p:attrNameLst>
+                                          <p:attrName>ppt_x</p:attrName>
+                                          <p:attrName>ppt_y</p:attrName>
+                                        </p:attrNameLst>
+                                      </p:cBhvr>
+                                      <p:rCtr x="-20249" y="336"/>
+                                    </p:animMotion>
+                                  </p:childTnLst>
+                                </p:cTn>
+                              </p:par>
+                              <p:par>
+                                <p:cTn id="7" presetID="42" presetClass="path" presetSubtype="0" accel="50000" decel="50000" fill="hold" grpId="0" nodeType="withEffect">
+                                  <p:stCondLst>
+                                    <p:cond delay="5000"/>
+                                  </p:stCondLst>
+                                  <p:childTnLst>
+                                    <p:animMotion origin="layout" path="M -7.60095E-7 -8.72483E-7 L 0.42399 0.00671 " pathEditMode="relative" rAng="0" ptsTypes="AA">
+                                      <p:cBhvr>
+                                        <p:cTn id="8" dur="2000" fill="hold"/>
+                                        <p:tgtEl>
+                                          <p:spTgt spid="12"/>
+                                        </p:tgtEl>
+                                        <p:attrNameLst>
+                                          <p:attrName>ppt_x</p:attrName>
+                                          <p:attrName>ppt_y</p:attrName>
+                                        </p:attrNameLst>
+                                      </p:cBhvr>
+                                      <p:rCtr x="21200" y="336"/>
+                                    </p:animMotion>
+                                  </p:childTnLst>
+                                </p:cTn>
+                              </p:par>
+                              <p:par>
+                                <p:cTn id="9" presetID="10" presetClass="exit" presetSubtype="0" fill="hold" nodeType="withEffect">
+                                  <p:stCondLst>
+                                    <p:cond delay="8000"/>
+                                  </p:stCondLst>
+                                  <p:childTnLst>
+                                    <p:animEffect transition="out" filter="fade">
+                                      <p:cBhvr>
+                                        <p:cTn id="10" dur="500"/>
+                                        <p:tgtEl>
+                                          <p:spTgt spid="3">
+                                            <p:txEl>
+                                              <p:pRg st="0" end="0"/>
+                                            </p:txEl>
+                                          </p:spTgt>
+                                        </p:tgtEl>
+                                      </p:cBhvr>
+                                    </p:animEffect>
+                                    <p:set>
+                                      <p:cBhvr>
+                                        <p:cTn id="11" dur="1" fill="hold">
+                                          <p:stCondLst>
+                                            <p:cond delay="499"/>
+                                          </p:stCondLst>
+                                        </p:cTn>
+                                        <p:tgtEl>
+                                          <p:spTgt spid="3">
+                                            <p:txEl>
+                                              <p:pRg st="0" end="0"/>
+                                            </p:txEl>
+                                          </p:spTgt>
+                                        </p:tgtEl>
+                                        <p:attrNameLst>
+                                          <p:attrName>style.visibility</p:attrName>
+                                        </p:attrNameLst>
+                                      </p:cBhvr>
+                                      <p:to>
+                                        <p:strVal val="hidden"/>
+                                      </p:to>
+                                    </p:set>
+                                  </p:childTnLst>
+                                </p:cTn>
+                              </p:par>
+                            </p:childTnLst>
+                          </p:cTn>
+                        </p:par>
+                        <p:par>
+                          <p:cTn id="12" fill="hold">
+                            <p:stCondLst>
+                              <p:cond delay="8500"/>
+                            </p:stCondLst>
+                            <p:childTnLst>
+                              <p:par>
+                                <p:cTn id="13" presetID="10" presetClass="entr" presetSubtype="0" fill="hold" grpId="0" nodeType="afterEffect">
+                                  <p:stCondLst>
+                                    <p:cond delay="0"/>
+                                  </p:stCondLst>
+                                  <p:childTnLst>
+                                    <p:set>
+                                      <p:cBhvr>
+                                        <p:cTn id="14" dur="1" fill="hold">
+                                          <p:stCondLst>
+                                            <p:cond delay="0"/>
+                                          </p:stCondLst>
+                                        </p:cTn>
+                                        <p:tgtEl>
+                                          <p:spTgt spid="6"/>
+                                        </p:tgtEl>
+                                        <p:attrNameLst>
+                                          <p:attrName>style.visibility</p:attrName>
+                                        </p:attrNameLst>
+                                      </p:cBhvr>
+                                      <p:to>
+                                        <p:strVal val="visible"/>
+                                      </p:to>
+                                    </p:set>
+                                    <p:animEffect transition="in" filter="fade">
+                                      <p:cBhvr>
+                                        <p:cTn id="15" dur="500"/>
+                                        <p:tgtEl>
+                                          <p:spTgt spid="6"/>
+                                        </p:tgtEl>
+                                      </p:cBhvr>
+                                    </p:animEffect>
+                                  </p:childTnLst>
+                                </p:cTn>
+                              </p:par>
+                            </p:childTnLst>
+                          </p:cTn>
+                        </p:par>
+                        <p:par>
+                          <p:cTn id="16" fill="hold">
+                            <p:stCondLst>
+                              <p:cond delay="9000"/>
+                            </p:stCondLst>
+                            <p:childTnLst>
+                              <p:par>
+                                <p:cTn id="17" presetID="53" presetClass="entr" presetSubtype="16" fill="hold" grpId="0" nodeType="afterEffect">
+                                  <p:stCondLst>
+                                    <p:cond delay="3000"/>
+                                  </p:stCondLst>
+                                  <p:childTnLst>
+                                    <p:set>
+                                      <p:cBhvr>
+                                        <p:cTn id="18" dur="1" fill="hold">
+                                          <p:stCondLst>
+                                            <p:cond delay="0"/>
+                                          </p:stCondLst>
+                                        </p:cTn>
+                                        <p:tgtEl>
+                                          <p:spTgt spid="8"/>
+                                        </p:tgtEl>
+                                        <p:attrNameLst>
+                                          <p:attrName>style.visibility</p:attrName>
+                                        </p:attrNameLst>
+                                      </p:cBhvr>
+                                      <p:to>
+                                        <p:strVal val="visible"/>
+                                      </p:to>
+                                    </p:set>
+                                    <p:anim calcmode="lin" valueType="num">
+                                      <p:cBhvr>
+                                        <p:cTn id="19" dur="500" fill="hold"/>
+                                        <p:tgtEl>
+                                          <p:spTgt spid="8"/>
+                                        </p:tgtEl>
+                                        <p:attrNameLst>
+                                          <p:attrName>ppt_w</p:attrName>
+                                        </p:attrNameLst>
+                                      </p:cBhvr>
+                                      <p:tavLst>
+                                        <p:tav tm="0">
+                                          <p:val>
+                                            <p:fltVal val="0"/>
+                                          </p:val>
+                                        </p:tav>
+                                        <p:tav tm="100000">
+                                          <p:val>
+                                            <p:strVal val="#ppt_w"/>
+                                          </p:val>
+                                        </p:tav>
+                                      </p:tavLst>
+                                    </p:anim>
+                                    <p:anim calcmode="lin" valueType="num">
+                                      <p:cBhvr>
+                                        <p:cTn id="20" dur="500" fill="hold"/>
+                                        <p:tgtEl>
+                                          <p:spTgt spid="8"/>
+                                        </p:tgtEl>
+                                        <p:attrNameLst>
+                                          <p:attrName>ppt_h</p:attrName>
+                                        </p:attrNameLst>
+                                      </p:cBhvr>
+                                      <p:tavLst>
+                                        <p:tav tm="0">
+                                          <p:val>
+                                            <p:fltVal val="0"/>
+                                          </p:val>
+                                        </p:tav>
+                                        <p:tav tm="100000">
+                                          <p:val>
+                                            <p:strVal val="#ppt_h"/>
+                                          </p:val>
+                                        </p:tav>
+                                      </p:tavLst>
+                                    </p:anim>
+                                    <p:animEffect transition="in" filter="fade">
+                                      <p:cBhvr>
+                                        <p:cTn id="21" dur="500"/>
+                                        <p:tgtEl>
+                                          <p:spTgt spid="8"/>
+                                        </p:tgtEl>
+                                      </p:cBhvr>
+                                    </p:animEffect>
+                                  </p:childTnLst>
+                                </p:cTn>
+                              </p:par>
+                            </p:childTnLst>
+                          </p:cTn>
+                        </p:par>
+                        <p:par>
+                          <p:cTn id="22" fill="hold">
+                            <p:stCondLst>
+                              <p:cond delay="12500"/>
+                            </p:stCondLst>
+                            <p:childTnLst>
+                              <p:par>
+                                <p:cTn id="23" presetID="31" presetClass="entr" presetSubtype="0" fill="hold" grpId="0" nodeType="afterEffect">
+                                  <p:stCondLst>
+                                    <p:cond delay="1000"/>
+                                  </p:stCondLst>
+                                  <p:childTnLst>
+                                    <p:set>
+                                      <p:cBhvr>
+                                        <p:cTn id="24" dur="1" fill="hold">
+                                          <p:stCondLst>
+                                            <p:cond delay="0"/>
+                                          </p:stCondLst>
+                                        </p:cTn>
+                                        <p:tgtEl>
+                                          <p:spTgt spid="10"/>
+                                        </p:tgtEl>
+                                        <p:attrNameLst>
+                                          <p:attrName>style.visibility</p:attrName>
+                                        </p:attrNameLst>
+                                      </p:cBhvr>
+                                      <p:to>
+                                        <p:strVal val="visible"/>
+                                      </p:to>
+                                    </p:set>
+                                    <p:anim calcmode="lin" valueType="num">
+                                      <p:cBhvr>
+                                        <p:cTn id="25" dur="1000" fill="hold"/>
+                                        <p:tgtEl>
+                                          <p:spTgt spid="10"/>
+                                        </p:tgtEl>
+                                        <p:attrNameLst>
+                                          <p:attrName>ppt_w</p:attrName>
+                                        </p:attrNameLst>
+                                      </p:cBhvr>
+                                      <p:tavLst>
+                                        <p:tav tm="0">
+                                          <p:val>
+                                            <p:fltVal val="0"/>
+                                          </p:val>
+                                        </p:tav>
+                                        <p:tav tm="100000">
+                                          <p:val>
+                                            <p:strVal val="#ppt_w"/>
+                                          </p:val>
+                                        </p:tav>
+                                      </p:tavLst>
+                                    </p:anim>
+                                    <p:anim calcmode="lin" valueType="num">
+                                      <p:cBhvr>
+                                        <p:cTn id="26" dur="1000" fill="hold"/>
+                                        <p:tgtEl>
+                                          <p:spTgt spid="10"/>
+                                        </p:tgtEl>
+                                        <p:attrNameLst>
+                                          <p:attrName>ppt_h</p:attrName>
+                                        </p:attrNameLst>
+                                      </p:cBhvr>
+                                      <p:tavLst>
+                                        <p:tav tm="0">
+                                          <p:val>
+                                            <p:fltVal val="0"/>
+                                          </p:val>
+                                        </p:tav>
+                                        <p:tav tm="100000">
+                                          <p:val>
+                                            <p:strVal val="#ppt_h"/>
+                                          </p:val>
+                                        </p:tav>
+                                      </p:tavLst>
+                                    </p:anim>
+                                    <p:anim calcmode="lin" valueType="num">
+                                      <p:cBhvr>
+                                        <p:cTn id="27" dur="1000" fill="hold"/>
+                                        <p:tgtEl>
+                                          <p:spTgt spid="10"/>
+                                        </p:tgtEl>
+                                        <p:attrNameLst>
+                                          <p:attrName>style.rotation</p:attrName>
+                                        </p:attrNameLst>
+                                      </p:cBhvr>
+                                      <p:tavLst>
+                                        <p:tav tm="0">
+                                          <p:val>
+                                            <p:fltVal val="90"/>
+                                          </p:val>
+                                        </p:tav>
+                                        <p:tav tm="100000">
+                                          <p:val>
+                                            <p:fltVal val="0"/>
+                                          </p:val>
+                                        </p:tav>
+                                      </p:tavLst>
+                                    </p:anim>
+                                    <p:animEffect transition="in" filter="fade">
+                                      <p:cBhvr>
+                                        <p:cTn id="28" dur="1000"/>
+                                        <p:tgtEl>
+                                          <p:spTgt spid="10"/>
+                                        </p:tgtEl>
+                                      </p:cBhvr>
+                                    </p:animEffect>
+                                  </p:childTnLst>
+                                </p:cTn>
+                              </p:par>
+                            </p:childTnLst>
+                          </p:cTn>
+                        </p:par>
+                        <p:par>
+                          <p:cTn id="29" fill="hold">
+                            <p:stCondLst>
+                              <p:cond delay="14500"/>
+                            </p:stCondLst>
+                            <p:childTnLst>
+                              <p:par>
+                                <p:cTn id="30" presetID="45" presetClass="entr" presetSubtype="0" fill="hold" grpId="0" nodeType="afterEffect">
+                                  <p:stCondLst>
+                                    <p:cond delay="1000"/>
+                                  </p:stCondLst>
+                                  <p:childTnLst>
+                                    <p:set>
+                                      <p:cBhvr>
+                                        <p:cTn id="31" dur="1" fill="hold">
+                                          <p:stCondLst>
+                                            <p:cond delay="0"/>
+                                          </p:stCondLst>
+                                        </p:cTn>
+                                        <p:tgtEl>
+                                          <p:spTgt spid="11"/>
+                                        </p:tgtEl>
+                                        <p:attrNameLst>
+                                          <p:attrName>style.visibility</p:attrName>
+                                        </p:attrNameLst>
+                                      </p:cBhvr>
+                                      <p:to>
+                                        <p:strVal val="visible"/>
+                                      </p:to>
+                                    </p:set>
+                                    <p:animEffect transition="in" filter="fade">
+                                      <p:cBhvr>
+                                        <p:cTn id="32" dur="2000"/>
+                                        <p:tgtEl>
+                                          <p:spTgt spid="11"/>
+                                        </p:tgtEl>
+                                      </p:cBhvr>
+                                    </p:animEffect>
+                                    <p:anim calcmode="lin" valueType="num">
+                                      <p:cBhvr>
+                                        <p:cTn id="33" dur="2000" fill="hold"/>
+                                        <p:tgtEl>
+                                          <p:spTgt spid="11"/>
+                                        </p:tgtEl>
+                                        <p:attrNameLst>
+                                          <p:attrName>ppt_w</p:attrName>
+                                        </p:attrNameLst>
+                                      </p:cBhvr>
+                                      <p:tavLst>
+                                        <p:tav tm="0" fmla="#ppt_w*sin(2.5*pi*$)">
+                                          <p:val>
+                                            <p:fltVal val="0"/>
+                                          </p:val>
+                                        </p:tav>
+                                        <p:tav tm="100000">
+                                          <p:val>
+                                            <p:fltVal val="1"/>
+                                          </p:val>
+                                        </p:tav>
+                                      </p:tavLst>
+                                    </p:anim>
+                                    <p:anim calcmode="lin" valueType="num">
+                                      <p:cBhvr>
+                                        <p:cTn id="34" dur="2000" fill="hold"/>
+                                        <p:tgtEl>
+                                          <p:spTgt spid="11"/>
+                                        </p:tgtEl>
+                                        <p:attrNameLst>
+                                          <p:attrName>ppt_h</p:attrName>
+                                        </p:attrNameLst>
+                                      </p:cBhvr>
+                                      <p:tavLst>
+                                        <p:tav tm="0">
+                                          <p:val>
+                                            <p:strVal val="#ppt_h"/>
+                                          </p:val>
+                                        </p:tav>
+                                        <p:tav tm="100000">
+                                          <p:val>
+                                            <p:strVal val="#ppt_h"/>
+                                          </p:val>
+                                        </p:tav>
+                                      </p:tavLst>
+                                    </p:anim>
+                                  </p:childTnLst>
+                                </p:cTn>
+                              </p:par>
+                            </p:childTnLst>
+                          </p:cTn>
+                        </p:par>
+                      </p:childTnLst>
+                    </p:cTn>
+                  </p:par>
+                </p:childTnLst>
+              </p:cTn>
+              <p:prevCondLst>
+                <p:cond evt="onPrev" delay="0">
+                  <p:tgtEl>
+                    <p:sldTgt/>
+                  </p:tgtEl>
+                </p:cond>
+              </p:prevCondLst>
+              <p:nextCondLst>
+                <p:cond evt="onNext" delay="0">
+                  <p:tgtEl>
+                    <p:sldTgt/>
+                  </p:tgtEl>
+                </p:cond>
+              </p:nextCondLst>
+            </p:seq>
+          </p:childTnLst>
+        </p:cTn>
       </p:par>
     </p:tnLst>
+    <p:bldLst>
+      <p:bldP spid="6" grpId="0"/>
+      <p:bldP spid="8" grpId="0" animBg="1"/>
+      <p:bldP spid="10" grpId="0" animBg="1"/>
+      <p:bldP spid="11" grpId="0" animBg="1"/>
+      <p:bldP spid="12" grpId="0"/>
+      <p:bldP spid="13" grpId="0"/>
+    </p:bldLst>
   </p:timing>
 </p:sld>
 </file>
